--- a/Tut2/Tutorial_2.pptx
+++ b/Tut2/Tutorial_2.pptx
@@ -8,8 +8,8 @@
     <p:sldId id="256" r:id="rId2"/>
     <p:sldId id="257" r:id="rId3"/>
     <p:sldId id="258" r:id="rId4"/>
-    <p:sldId id="259" r:id="rId5"/>
-    <p:sldId id="260" r:id="rId6"/>
+    <p:sldId id="260" r:id="rId5"/>
+    <p:sldId id="259" r:id="rId6"/>
     <p:sldId id="261" r:id="rId7"/>
     <p:sldId id="262" r:id="rId8"/>
     <p:sldId id="263" r:id="rId9"/>
@@ -354,7 +354,7 @@
           <a:p>
             <a:fld id="{1D8BD707-D9CF-40AE-B4C6-C98DA3205C09}" type="datetimeFigureOut">
               <a:rPr lang="en-US"/>
-              <a:t>9/19/2023</a:t>
+              <a:t>10/4/23</a:t>
             </a:fld>
             <a:endParaRPr lang="en-US"/>
           </a:p>
@@ -571,7 +571,7 @@
           <a:p>
             <a:fld id="{1D8BD707-D9CF-40AE-B4C6-C98DA3205C09}" type="datetimeFigureOut">
               <a:rPr lang="en-US"/>
-              <a:t>9/19/2023</a:t>
+              <a:t>10/4/23</a:t>
             </a:fld>
             <a:endParaRPr lang="en-US"/>
           </a:p>
@@ -825,7 +825,7 @@
           <a:p>
             <a:fld id="{1D8BD707-D9CF-40AE-B4C6-C98DA3205C09}" type="datetimeFigureOut">
               <a:rPr lang="en-US"/>
-              <a:t>9/19/2023</a:t>
+              <a:t>10/4/23</a:t>
             </a:fld>
             <a:endParaRPr lang="en-US"/>
           </a:p>
@@ -1013,7 +1013,7 @@
           <a:p>
             <a:fld id="{1D8BD707-D9CF-40AE-B4C6-C98DA3205C09}" type="datetimeFigureOut">
               <a:rPr lang="en-US"/>
-              <a:t>9/19/2023</a:t>
+              <a:t>10/4/23</a:t>
             </a:fld>
             <a:endParaRPr lang="en-US"/>
           </a:p>
@@ -1180,7 +1180,7 @@
           <a:p>
             <a:fld id="{1D8BD707-D9CF-40AE-B4C6-C98DA3205C09}" type="datetimeFigureOut">
               <a:rPr lang="en-US"/>
-              <a:t>9/19/2023</a:t>
+              <a:t>10/4/23</a:t>
             </a:fld>
             <a:endParaRPr lang="en-US"/>
           </a:p>
@@ -1595,7 +1595,7 @@
           <a:p>
             <a:fld id="{1D8BD707-D9CF-40AE-B4C6-C98DA3205C09}" type="datetimeFigureOut">
               <a:rPr lang="en-US"/>
-              <a:t>9/19/2023</a:t>
+              <a:t>10/4/23</a:t>
             </a:fld>
             <a:endParaRPr lang="en-US"/>
           </a:p>
@@ -12699,7 +12699,7 @@
               </a:rPr>
               <a:t>introduce</a:t>
             </a:r>
-            <a:endParaRPr sz="2000">
+            <a:endParaRPr sz="2000" dirty="0">
               <a:latin typeface="Trebuchet MS"/>
               <a:cs typeface="Trebuchet MS"/>
             </a:endParaRPr>
@@ -12782,7 +12782,7 @@
               </a:rPr>
               <a:t>mode</a:t>
             </a:r>
-            <a:endParaRPr sz="2000">
+            <a:endParaRPr sz="2000" dirty="0">
               <a:latin typeface="Trebuchet MS"/>
               <a:cs typeface="Trebuchet MS"/>
             </a:endParaRPr>
@@ -12865,7 +12865,7 @@
               </a:rPr>
               <a:t>mode</a:t>
             </a:r>
-            <a:endParaRPr sz="2000">
+            <a:endParaRPr sz="2000" dirty="0">
               <a:latin typeface="Trebuchet MS"/>
               <a:cs typeface="Trebuchet MS"/>
             </a:endParaRPr>
@@ -12928,7 +12928,7 @@
               </a:rPr>
               <a:t>linux</a:t>
             </a:r>
-            <a:endParaRPr sz="2000">
+            <a:endParaRPr sz="2000" dirty="0">
               <a:latin typeface="Trebuchet MS"/>
               <a:cs typeface="Trebuchet MS"/>
             </a:endParaRPr>
@@ -29645,25 +29645,25 @@
         </p:nvSpPr>
         <p:spPr>
           <a:xfrm>
-            <a:off x="1084580" y="1699170"/>
-            <a:ext cx="10064115" cy="3837940"/>
+            <a:off x="1084580" y="1845729"/>
+            <a:ext cx="9846310" cy="2688590"/>
           </a:xfrm>
           <a:prstGeom prst="rect">
             <a:avLst/>
           </a:prstGeom>
         </p:spPr>
         <p:txBody>
-          <a:bodyPr vert="horz" wrap="square" lIns="0" tIns="160020" rIns="0" bIns="0" rtlCol="0">
+          <a:bodyPr vert="horz" wrap="square" lIns="0" tIns="45720" rIns="0" bIns="0" rtlCol="0">
             <a:spAutoFit/>
           </a:bodyPr>
           <a:lstStyle/>
           <a:p>
-            <a:pPr marL="269875" indent="-257175">
+            <a:pPr marL="103505" marR="5080" indent="-91440">
               <a:lnSpc>
-                <a:spcPct val="100000"/>
+                <a:spcPts val="2180"/>
               </a:lnSpc>
               <a:spcBef>
-                <a:spcPts val="1260"/>
+                <a:spcPts val="360"/>
               </a:spcBef>
               <a:buClr>
                 <a:srgbClr val="E38312"/>
@@ -29675,14 +29675,44 @@
               </a:tabLst>
             </a:pPr>
             <a:r>
-              <a:rPr sz="2000" spc="45" dirty="0">
-                <a:solidFill>
-                  <a:srgbClr val="404040"/>
-                </a:solidFill>
-                <a:latin typeface="Trebuchet MS"/>
-                <a:cs typeface="Trebuchet MS"/>
-              </a:rPr>
-              <a:t>Process: </a:t>
+              <a:rPr sz="2000" spc="65" dirty="0">
+                <a:solidFill>
+                  <a:srgbClr val="404040"/>
+                </a:solidFill>
+                <a:latin typeface="Trebuchet MS"/>
+                <a:cs typeface="Trebuchet MS"/>
+              </a:rPr>
+              <a:t>Each</a:t>
+            </a:r>
+            <a:r>
+              <a:rPr sz="2000" spc="-55" dirty="0">
+                <a:solidFill>
+                  <a:srgbClr val="404040"/>
+                </a:solidFill>
+                <a:latin typeface="Trebuchet MS"/>
+                <a:cs typeface="Trebuchet MS"/>
+              </a:rPr>
+              <a:t> </a:t>
+            </a:r>
+            <a:r>
+              <a:rPr sz="2000" spc="65" dirty="0">
+                <a:solidFill>
+                  <a:srgbClr val="404040"/>
+                </a:solidFill>
+                <a:latin typeface="Trebuchet MS"/>
+                <a:cs typeface="Trebuchet MS"/>
+              </a:rPr>
+              <a:t>process</a:t>
+            </a:r>
+            <a:r>
+              <a:rPr sz="2000" spc="-45" dirty="0">
+                <a:solidFill>
+                  <a:srgbClr val="404040"/>
+                </a:solidFill>
+                <a:latin typeface="Trebuchet MS"/>
+                <a:cs typeface="Trebuchet MS"/>
+              </a:rPr>
+              <a:t> </a:t>
             </a:r>
             <a:r>
               <a:rPr sz="2000" spc="30" dirty="0">
@@ -29692,7 +29722,27 @@
                 <a:latin typeface="Trebuchet MS"/>
                 <a:cs typeface="Trebuchet MS"/>
               </a:rPr>
-              <a:t>Program </a:t>
+              <a:t>is</a:t>
+            </a:r>
+            <a:r>
+              <a:rPr sz="2000" spc="-45" dirty="0">
+                <a:solidFill>
+                  <a:srgbClr val="404040"/>
+                </a:solidFill>
+                <a:latin typeface="Trebuchet MS"/>
+                <a:cs typeface="Trebuchet MS"/>
+              </a:rPr>
+              <a:t> </a:t>
+            </a:r>
+            <a:r>
+              <a:rPr sz="2000" spc="25" dirty="0">
+                <a:solidFill>
+                  <a:srgbClr val="404040"/>
+                </a:solidFill>
+                <a:latin typeface="Trebuchet MS"/>
+                <a:cs typeface="Trebuchet MS"/>
+              </a:rPr>
+              <a:t>named</a:t>
             </a:r>
             <a:r>
               <a:rPr sz="2000" spc="-55" dirty="0">
@@ -29702,27 +29752,267 @@
                 <a:latin typeface="Trebuchet MS"/>
                 <a:cs typeface="Trebuchet MS"/>
               </a:rPr>
-              <a:t>in</a:t>
-            </a:r>
-            <a:r>
-              <a:rPr sz="2000" spc="-240" dirty="0">
-                <a:solidFill>
-                  <a:srgbClr val="404040"/>
-                </a:solidFill>
-                <a:latin typeface="Trebuchet MS"/>
-                <a:cs typeface="Trebuchet MS"/>
-              </a:rPr>
-              <a:t> </a:t>
-            </a:r>
-            <a:r>
-              <a:rPr sz="2000" spc="-15" dirty="0">
-                <a:solidFill>
-                  <a:srgbClr val="404040"/>
-                </a:solidFill>
-                <a:latin typeface="Trebuchet MS"/>
-                <a:cs typeface="Trebuchet MS"/>
-              </a:rPr>
-              <a:t>execution</a:t>
+              <a:t> </a:t>
+            </a:r>
+            <a:r>
+              <a:rPr sz="2000" spc="40" dirty="0">
+                <a:solidFill>
+                  <a:srgbClr val="404040"/>
+                </a:solidFill>
+                <a:latin typeface="Trebuchet MS"/>
+                <a:cs typeface="Trebuchet MS"/>
+              </a:rPr>
+              <a:t>by</a:t>
+            </a:r>
+            <a:r>
+              <a:rPr sz="2000" spc="-45" dirty="0">
+                <a:solidFill>
+                  <a:srgbClr val="404040"/>
+                </a:solidFill>
+                <a:latin typeface="Trebuchet MS"/>
+                <a:cs typeface="Trebuchet MS"/>
+              </a:rPr>
+              <a:t> </a:t>
+            </a:r>
+            <a:r>
+              <a:rPr sz="2000" spc="25" dirty="0">
+                <a:solidFill>
+                  <a:srgbClr val="404040"/>
+                </a:solidFill>
+                <a:latin typeface="Trebuchet MS"/>
+                <a:cs typeface="Trebuchet MS"/>
+              </a:rPr>
+              <a:t>a</a:t>
+            </a:r>
+            <a:r>
+              <a:rPr sz="2000" spc="-45" dirty="0">
+                <a:solidFill>
+                  <a:srgbClr val="404040"/>
+                </a:solidFill>
+                <a:latin typeface="Trebuchet MS"/>
+                <a:cs typeface="Trebuchet MS"/>
+              </a:rPr>
+              <a:t> </a:t>
+            </a:r>
+            <a:r>
+              <a:rPr sz="2000" spc="65" dirty="0">
+                <a:solidFill>
+                  <a:srgbClr val="404040"/>
+                </a:solidFill>
+                <a:latin typeface="Trebuchet MS"/>
+                <a:cs typeface="Trebuchet MS"/>
+              </a:rPr>
+              <a:t>process</a:t>
+            </a:r>
+            <a:r>
+              <a:rPr sz="2000" spc="-45" dirty="0">
+                <a:solidFill>
+                  <a:srgbClr val="404040"/>
+                </a:solidFill>
+                <a:latin typeface="Trebuchet MS"/>
+                <a:cs typeface="Trebuchet MS"/>
+              </a:rPr>
+              <a:t> </a:t>
+            </a:r>
+            <a:r>
+              <a:rPr sz="2000" spc="70" dirty="0">
+                <a:solidFill>
+                  <a:srgbClr val="404040"/>
+                </a:solidFill>
+                <a:latin typeface="Trebuchet MS"/>
+                <a:cs typeface="Trebuchet MS"/>
+              </a:rPr>
+              <a:t>ID</a:t>
+            </a:r>
+            <a:r>
+              <a:rPr sz="2000" spc="-50" dirty="0">
+                <a:solidFill>
+                  <a:srgbClr val="404040"/>
+                </a:solidFill>
+                <a:latin typeface="Trebuchet MS"/>
+                <a:cs typeface="Trebuchet MS"/>
+              </a:rPr>
+              <a:t> </a:t>
+            </a:r>
+            <a:r>
+              <a:rPr sz="2000" spc="-25" dirty="0">
+                <a:solidFill>
+                  <a:srgbClr val="404040"/>
+                </a:solidFill>
+                <a:latin typeface="Trebuchet MS"/>
+                <a:cs typeface="Trebuchet MS"/>
+              </a:rPr>
+              <a:t>number.</a:t>
+            </a:r>
+            <a:r>
+              <a:rPr sz="2000" spc="-45" dirty="0">
+                <a:solidFill>
+                  <a:srgbClr val="404040"/>
+                </a:solidFill>
+                <a:latin typeface="Trebuchet MS"/>
+                <a:cs typeface="Trebuchet MS"/>
+              </a:rPr>
+              <a:t> Generally, </a:t>
+            </a:r>
+            <a:r>
+              <a:rPr sz="2000" spc="65" dirty="0">
+                <a:solidFill>
+                  <a:srgbClr val="404040"/>
+                </a:solidFill>
+                <a:latin typeface="Trebuchet MS"/>
+                <a:cs typeface="Trebuchet MS"/>
+              </a:rPr>
+              <a:t>process</a:t>
+            </a:r>
+            <a:r>
+              <a:rPr sz="2000" spc="-45" dirty="0">
+                <a:solidFill>
+                  <a:srgbClr val="404040"/>
+                </a:solidFill>
+                <a:latin typeface="Trebuchet MS"/>
+                <a:cs typeface="Trebuchet MS"/>
+              </a:rPr>
+              <a:t> </a:t>
+            </a:r>
+            <a:r>
+              <a:rPr sz="2000" spc="30" dirty="0">
+                <a:solidFill>
+                  <a:srgbClr val="404040"/>
+                </a:solidFill>
+                <a:latin typeface="Trebuchet MS"/>
+                <a:cs typeface="Trebuchet MS"/>
+              </a:rPr>
+              <a:t>is</a:t>
+            </a:r>
+            <a:r>
+              <a:rPr sz="2000" spc="-50" dirty="0">
+                <a:solidFill>
+                  <a:srgbClr val="404040"/>
+                </a:solidFill>
+                <a:latin typeface="Trebuchet MS"/>
+                <a:cs typeface="Trebuchet MS"/>
+              </a:rPr>
+              <a:t> </a:t>
+            </a:r>
+            <a:r>
+              <a:rPr sz="2000" spc="-60" dirty="0">
+                <a:solidFill>
+                  <a:srgbClr val="404040"/>
+                </a:solidFill>
+                <a:latin typeface="Trebuchet MS"/>
+                <a:cs typeface="Trebuchet MS"/>
+              </a:rPr>
+              <a:t>identified</a:t>
+            </a:r>
+            <a:r>
+              <a:rPr sz="2000" spc="-50" dirty="0">
+                <a:solidFill>
+                  <a:srgbClr val="404040"/>
+                </a:solidFill>
+                <a:latin typeface="Trebuchet MS"/>
+                <a:cs typeface="Trebuchet MS"/>
+              </a:rPr>
+              <a:t> </a:t>
+            </a:r>
+            <a:r>
+              <a:rPr sz="2000" spc="35" dirty="0">
+                <a:solidFill>
+                  <a:srgbClr val="404040"/>
+                </a:solidFill>
+                <a:latin typeface="Trebuchet MS"/>
+                <a:cs typeface="Trebuchet MS"/>
+              </a:rPr>
+              <a:t>and  </a:t>
+            </a:r>
+            <a:r>
+              <a:rPr sz="2000" spc="40" dirty="0">
+                <a:solidFill>
+                  <a:srgbClr val="404040"/>
+                </a:solidFill>
+                <a:latin typeface="Trebuchet MS"/>
+                <a:cs typeface="Trebuchet MS"/>
+              </a:rPr>
+              <a:t>managed </a:t>
+            </a:r>
+            <a:r>
+              <a:rPr sz="2000" spc="-30" dirty="0">
+                <a:solidFill>
+                  <a:srgbClr val="404040"/>
+                </a:solidFill>
+                <a:latin typeface="Trebuchet MS"/>
+                <a:cs typeface="Trebuchet MS"/>
+              </a:rPr>
+              <a:t>via </a:t>
+            </a:r>
+            <a:r>
+              <a:rPr sz="2000" spc="25" dirty="0">
+                <a:solidFill>
+                  <a:srgbClr val="404040"/>
+                </a:solidFill>
+                <a:latin typeface="Trebuchet MS"/>
+                <a:cs typeface="Trebuchet MS"/>
+              </a:rPr>
+              <a:t>a </a:t>
+            </a:r>
+            <a:r>
+              <a:rPr sz="2000" b="1" spc="10" dirty="0">
+                <a:solidFill>
+                  <a:srgbClr val="006FC0"/>
+                </a:solidFill>
+                <a:latin typeface="Century Gothic"/>
+                <a:cs typeface="Century Gothic"/>
+              </a:rPr>
+              <a:t>process </a:t>
+            </a:r>
+            <a:r>
+              <a:rPr sz="2000" b="1" spc="5" dirty="0">
+                <a:solidFill>
+                  <a:srgbClr val="006FC0"/>
+                </a:solidFill>
+                <a:latin typeface="Century Gothic"/>
+                <a:cs typeface="Century Gothic"/>
+              </a:rPr>
+              <a:t>identifier</a:t>
+            </a:r>
+            <a:r>
+              <a:rPr sz="2000" b="1" spc="-220" dirty="0">
+                <a:solidFill>
+                  <a:srgbClr val="006FC0"/>
+                </a:solidFill>
+                <a:latin typeface="Century Gothic"/>
+                <a:cs typeface="Century Gothic"/>
+              </a:rPr>
+              <a:t> </a:t>
+            </a:r>
+            <a:r>
+              <a:rPr sz="2000" spc="-125" dirty="0">
+                <a:solidFill>
+                  <a:srgbClr val="006FC0"/>
+                </a:solidFill>
+                <a:latin typeface="Trebuchet MS"/>
+                <a:cs typeface="Trebuchet MS"/>
+              </a:rPr>
+              <a:t>(</a:t>
+            </a:r>
+            <a:r>
+              <a:rPr sz="2000" b="1" spc="-125" dirty="0">
+                <a:solidFill>
+                  <a:srgbClr val="006FC0"/>
+                </a:solidFill>
+                <a:latin typeface="Century Gothic"/>
+                <a:cs typeface="Century Gothic"/>
+              </a:rPr>
+              <a:t>pid</a:t>
+            </a:r>
+            <a:r>
+              <a:rPr sz="2000" spc="-125" dirty="0">
+                <a:solidFill>
+                  <a:srgbClr val="006FC0"/>
+                </a:solidFill>
+                <a:latin typeface="Trebuchet MS"/>
+                <a:cs typeface="Trebuchet MS"/>
+              </a:rPr>
+              <a:t>)</a:t>
             </a:r>
             <a:endParaRPr sz="2000">
               <a:latin typeface="Trebuchet MS"/>
@@ -29730,216 +30020,28 @@
             </a:endParaRPr>
           </a:p>
           <a:p>
-            <a:pPr marL="294005">
+            <a:pPr>
+              <a:lnSpc>
+                <a:spcPct val="100000"/>
+              </a:lnSpc>
+              <a:buClr>
+                <a:srgbClr val="E38312"/>
+              </a:buClr>
+              <a:buFont typeface="Wingdings"/>
+              <a:buChar char=""/>
+            </a:pPr>
+            <a:endParaRPr sz="2400">
+              <a:latin typeface="Trebuchet MS"/>
+              <a:cs typeface="Trebuchet MS"/>
+            </a:endParaRPr>
+          </a:p>
+          <a:p>
+            <a:pPr marL="269875" indent="-257175">
               <a:lnSpc>
                 <a:spcPct val="100000"/>
               </a:lnSpc>
               <a:spcBef>
-                <a:spcPts val="1160"/>
-              </a:spcBef>
-            </a:pPr>
-            <a:r>
-              <a:rPr sz="2000" spc="-30" dirty="0">
-                <a:solidFill>
-                  <a:srgbClr val="404040"/>
-                </a:solidFill>
-                <a:latin typeface="Trebuchet MS"/>
-                <a:cs typeface="Trebuchet MS"/>
-              </a:rPr>
-              <a:t>Multiple</a:t>
-            </a:r>
-            <a:r>
-              <a:rPr sz="2000" spc="-50" dirty="0">
-                <a:solidFill>
-                  <a:srgbClr val="404040"/>
-                </a:solidFill>
-                <a:latin typeface="Trebuchet MS"/>
-                <a:cs typeface="Trebuchet MS"/>
-              </a:rPr>
-              <a:t> </a:t>
-            </a:r>
-            <a:r>
-              <a:rPr sz="2000" spc="45" dirty="0">
-                <a:solidFill>
-                  <a:srgbClr val="404040"/>
-                </a:solidFill>
-                <a:latin typeface="Trebuchet MS"/>
-                <a:cs typeface="Trebuchet MS"/>
-              </a:rPr>
-              <a:t>processes:</a:t>
-            </a:r>
-            <a:r>
-              <a:rPr sz="2000" spc="-50" dirty="0">
-                <a:solidFill>
-                  <a:srgbClr val="404040"/>
-                </a:solidFill>
-                <a:latin typeface="Trebuchet MS"/>
-                <a:cs typeface="Trebuchet MS"/>
-              </a:rPr>
-              <a:t> </a:t>
-            </a:r>
-            <a:r>
-              <a:rPr sz="2000" dirty="0">
-                <a:solidFill>
-                  <a:srgbClr val="404040"/>
-                </a:solidFill>
-                <a:latin typeface="Trebuchet MS"/>
-                <a:cs typeface="Trebuchet MS"/>
-              </a:rPr>
-              <a:t>Concurrent</a:t>
-            </a:r>
-            <a:r>
-              <a:rPr sz="2000" spc="-50" dirty="0">
-                <a:solidFill>
-                  <a:srgbClr val="404040"/>
-                </a:solidFill>
-                <a:latin typeface="Trebuchet MS"/>
-                <a:cs typeface="Trebuchet MS"/>
-              </a:rPr>
-              <a:t> </a:t>
-            </a:r>
-            <a:r>
-              <a:rPr sz="2000" spc="105" dirty="0">
-                <a:solidFill>
-                  <a:srgbClr val="404040"/>
-                </a:solidFill>
-                <a:latin typeface="Trebuchet MS"/>
-                <a:cs typeface="Trebuchet MS"/>
-              </a:rPr>
-              <a:t>vs</a:t>
-            </a:r>
-            <a:r>
-              <a:rPr sz="2000" spc="-45" dirty="0">
-                <a:solidFill>
-                  <a:srgbClr val="404040"/>
-                </a:solidFill>
-                <a:latin typeface="Trebuchet MS"/>
-                <a:cs typeface="Trebuchet MS"/>
-              </a:rPr>
-              <a:t> </a:t>
-            </a:r>
-            <a:r>
-              <a:rPr sz="2000" spc="-60" dirty="0">
-                <a:solidFill>
-                  <a:srgbClr val="404040"/>
-                </a:solidFill>
-                <a:latin typeface="Trebuchet MS"/>
-                <a:cs typeface="Trebuchet MS"/>
-              </a:rPr>
-              <a:t>Parallel.</a:t>
-            </a:r>
-            <a:r>
-              <a:rPr sz="2000" spc="-50" dirty="0">
-                <a:solidFill>
-                  <a:srgbClr val="404040"/>
-                </a:solidFill>
-                <a:latin typeface="Trebuchet MS"/>
-                <a:cs typeface="Trebuchet MS"/>
-              </a:rPr>
-              <a:t> </a:t>
-            </a:r>
-            <a:r>
-              <a:rPr sz="2000" spc="55" dirty="0">
-                <a:solidFill>
-                  <a:srgbClr val="404040"/>
-                </a:solidFill>
-                <a:latin typeface="Trebuchet MS"/>
-                <a:cs typeface="Trebuchet MS"/>
-              </a:rPr>
-              <a:t>Processor</a:t>
-            </a:r>
-            <a:r>
-              <a:rPr sz="2000" spc="-55" dirty="0">
-                <a:solidFill>
-                  <a:srgbClr val="404040"/>
-                </a:solidFill>
-                <a:latin typeface="Trebuchet MS"/>
-                <a:cs typeface="Trebuchet MS"/>
-              </a:rPr>
-              <a:t> </a:t>
-            </a:r>
-            <a:r>
-              <a:rPr sz="2000" spc="105" dirty="0">
-                <a:solidFill>
-                  <a:srgbClr val="404040"/>
-                </a:solidFill>
-                <a:latin typeface="Trebuchet MS"/>
-                <a:cs typeface="Trebuchet MS"/>
-              </a:rPr>
-              <a:t>vs</a:t>
-            </a:r>
-            <a:r>
-              <a:rPr sz="2000" spc="-50" dirty="0">
-                <a:solidFill>
-                  <a:srgbClr val="404040"/>
-                </a:solidFill>
-                <a:latin typeface="Trebuchet MS"/>
-                <a:cs typeface="Trebuchet MS"/>
-              </a:rPr>
-              <a:t> </a:t>
-            </a:r>
-            <a:r>
-              <a:rPr sz="2000" spc="190" dirty="0">
-                <a:solidFill>
-                  <a:srgbClr val="404040"/>
-                </a:solidFill>
-                <a:latin typeface="Trebuchet MS"/>
-                <a:cs typeface="Trebuchet MS"/>
-              </a:rPr>
-              <a:t>CPU</a:t>
-            </a:r>
-            <a:r>
-              <a:rPr sz="2000" spc="-50" dirty="0">
-                <a:solidFill>
-                  <a:srgbClr val="404040"/>
-                </a:solidFill>
-                <a:latin typeface="Trebuchet MS"/>
-                <a:cs typeface="Trebuchet MS"/>
-              </a:rPr>
-              <a:t> </a:t>
-            </a:r>
-            <a:r>
-              <a:rPr sz="2000" spc="105" dirty="0">
-                <a:solidFill>
-                  <a:srgbClr val="404040"/>
-                </a:solidFill>
-                <a:latin typeface="Trebuchet MS"/>
-                <a:cs typeface="Trebuchet MS"/>
-              </a:rPr>
-              <a:t>vs</a:t>
-            </a:r>
-            <a:r>
-              <a:rPr sz="2000" spc="-50" dirty="0">
-                <a:solidFill>
-                  <a:srgbClr val="404040"/>
-                </a:solidFill>
-                <a:latin typeface="Trebuchet MS"/>
-                <a:cs typeface="Trebuchet MS"/>
-              </a:rPr>
-              <a:t> </a:t>
-            </a:r>
-            <a:r>
-              <a:rPr sz="2000" spc="45" dirty="0">
-                <a:solidFill>
-                  <a:srgbClr val="404040"/>
-                </a:solidFill>
-                <a:latin typeface="Trebuchet MS"/>
-                <a:cs typeface="Trebuchet MS"/>
-              </a:rPr>
-              <a:t>Core</a:t>
-            </a:r>
-            <a:endParaRPr sz="2000">
-              <a:latin typeface="Trebuchet MS"/>
-              <a:cs typeface="Trebuchet MS"/>
-            </a:endParaRPr>
-          </a:p>
-          <a:p>
-            <a:pPr marL="103505" marR="5080" indent="-91440">
-              <a:lnSpc>
-                <a:spcPts val="2160"/>
-              </a:lnSpc>
-              <a:spcBef>
-                <a:spcPts val="1430"/>
+                <a:spcPts val="1875"/>
               </a:spcBef>
               <a:buClr>
                 <a:srgbClr val="E38312"/>
@@ -29951,14 +30053,104 @@
               </a:tabLst>
             </a:pPr>
             <a:r>
-              <a:rPr sz="2000" spc="-10" dirty="0">
-                <a:solidFill>
-                  <a:srgbClr val="404040"/>
-                </a:solidFill>
-                <a:latin typeface="Trebuchet MS"/>
-                <a:cs typeface="Trebuchet MS"/>
-              </a:rPr>
-              <a:t>In </a:t>
+              <a:rPr sz="2000" spc="114" dirty="0">
+                <a:solidFill>
+                  <a:srgbClr val="404040"/>
+                </a:solidFill>
+                <a:latin typeface="Trebuchet MS"/>
+                <a:cs typeface="Trebuchet MS"/>
+              </a:rPr>
+              <a:t>A</a:t>
+            </a:r>
+            <a:r>
+              <a:rPr sz="2000" spc="-55" dirty="0">
+                <a:solidFill>
+                  <a:srgbClr val="404040"/>
+                </a:solidFill>
+                <a:latin typeface="Trebuchet MS"/>
+                <a:cs typeface="Trebuchet MS"/>
+              </a:rPr>
+              <a:t> </a:t>
+            </a:r>
+            <a:r>
+              <a:rPr sz="2000" spc="-5" dirty="0">
+                <a:solidFill>
+                  <a:srgbClr val="404040"/>
+                </a:solidFill>
+                <a:latin typeface="Trebuchet MS"/>
+                <a:cs typeface="Trebuchet MS"/>
+              </a:rPr>
+              <a:t>unique</a:t>
+            </a:r>
+            <a:r>
+              <a:rPr sz="2000" spc="-50" dirty="0">
+                <a:solidFill>
+                  <a:srgbClr val="404040"/>
+                </a:solidFill>
+                <a:latin typeface="Trebuchet MS"/>
+                <a:cs typeface="Trebuchet MS"/>
+              </a:rPr>
+              <a:t> </a:t>
+            </a:r>
+            <a:r>
+              <a:rPr sz="2000" spc="65" dirty="0">
+                <a:solidFill>
+                  <a:srgbClr val="404040"/>
+                </a:solidFill>
+                <a:latin typeface="Trebuchet MS"/>
+                <a:cs typeface="Trebuchet MS"/>
+              </a:rPr>
+              <a:t>process</a:t>
+            </a:r>
+            <a:r>
+              <a:rPr sz="2000" spc="-50" dirty="0">
+                <a:solidFill>
+                  <a:srgbClr val="404040"/>
+                </a:solidFill>
+                <a:latin typeface="Trebuchet MS"/>
+                <a:cs typeface="Trebuchet MS"/>
+              </a:rPr>
+              <a:t> </a:t>
+            </a:r>
+            <a:r>
+              <a:rPr sz="2000" spc="70" dirty="0">
+                <a:solidFill>
+                  <a:srgbClr val="404040"/>
+                </a:solidFill>
+                <a:latin typeface="Trebuchet MS"/>
+                <a:cs typeface="Trebuchet MS"/>
+              </a:rPr>
+              <a:t>ID</a:t>
+            </a:r>
+            <a:r>
+              <a:rPr sz="2000" spc="-50" dirty="0">
+                <a:solidFill>
+                  <a:srgbClr val="404040"/>
+                </a:solidFill>
+                <a:latin typeface="Trebuchet MS"/>
+                <a:cs typeface="Trebuchet MS"/>
+              </a:rPr>
+              <a:t> </a:t>
+            </a:r>
+            <a:r>
+              <a:rPr sz="2000" spc="30" dirty="0">
+                <a:solidFill>
+                  <a:srgbClr val="404040"/>
+                </a:solidFill>
+                <a:latin typeface="Trebuchet MS"/>
+                <a:cs typeface="Trebuchet MS"/>
+              </a:rPr>
+              <a:t>is</a:t>
+            </a:r>
+            <a:r>
+              <a:rPr sz="2000" spc="-50" dirty="0">
+                <a:solidFill>
+                  <a:srgbClr val="404040"/>
+                </a:solidFill>
+                <a:latin typeface="Trebuchet MS"/>
+                <a:cs typeface="Trebuchet MS"/>
+              </a:rPr>
+              <a:t> </a:t>
             </a:r>
             <a:r>
               <a:rPr sz="2000" spc="-25" dirty="0">
@@ -29968,17 +30160,117 @@
                 <a:latin typeface="Trebuchet MS"/>
                 <a:cs typeface="Trebuchet MS"/>
               </a:rPr>
-              <a:t>multitasking </a:t>
-            </a:r>
-            <a:r>
-              <a:rPr sz="2000" spc="-15" dirty="0">
-                <a:solidFill>
-                  <a:srgbClr val="404040"/>
-                </a:solidFill>
-                <a:latin typeface="Trebuchet MS"/>
-                <a:cs typeface="Trebuchet MS"/>
-              </a:rPr>
-              <a:t>operating </a:t>
+              <a:t>allocated</a:t>
+            </a:r>
+            <a:r>
+              <a:rPr sz="2000" spc="-55" dirty="0">
+                <a:solidFill>
+                  <a:srgbClr val="404040"/>
+                </a:solidFill>
+                <a:latin typeface="Trebuchet MS"/>
+                <a:cs typeface="Trebuchet MS"/>
+              </a:rPr>
+              <a:t> </a:t>
+            </a:r>
+            <a:r>
+              <a:rPr sz="2000" spc="-45" dirty="0">
+                <a:solidFill>
+                  <a:srgbClr val="404040"/>
+                </a:solidFill>
+                <a:latin typeface="Trebuchet MS"/>
+                <a:cs typeface="Trebuchet MS"/>
+              </a:rPr>
+              <a:t>to</a:t>
+            </a:r>
+            <a:r>
+              <a:rPr sz="2000" spc="-50" dirty="0">
+                <a:solidFill>
+                  <a:srgbClr val="404040"/>
+                </a:solidFill>
+                <a:latin typeface="Trebuchet MS"/>
+                <a:cs typeface="Trebuchet MS"/>
+              </a:rPr>
+              <a:t> </a:t>
+            </a:r>
+            <a:r>
+              <a:rPr sz="2000" spc="25" dirty="0">
+                <a:solidFill>
+                  <a:srgbClr val="404040"/>
+                </a:solidFill>
+                <a:latin typeface="Trebuchet MS"/>
+                <a:cs typeface="Trebuchet MS"/>
+              </a:rPr>
+              <a:t>each</a:t>
+            </a:r>
+            <a:r>
+              <a:rPr sz="2000" spc="-55" dirty="0">
+                <a:solidFill>
+                  <a:srgbClr val="404040"/>
+                </a:solidFill>
+                <a:latin typeface="Trebuchet MS"/>
+                <a:cs typeface="Trebuchet MS"/>
+              </a:rPr>
+              <a:t> </a:t>
+            </a:r>
+            <a:r>
+              <a:rPr sz="2000" spc="65" dirty="0">
+                <a:solidFill>
+                  <a:srgbClr val="404040"/>
+                </a:solidFill>
+                <a:latin typeface="Trebuchet MS"/>
+                <a:cs typeface="Trebuchet MS"/>
+              </a:rPr>
+              <a:t>process</a:t>
+            </a:r>
+            <a:r>
+              <a:rPr sz="2000" spc="-45" dirty="0">
+                <a:solidFill>
+                  <a:srgbClr val="404040"/>
+                </a:solidFill>
+                <a:latin typeface="Trebuchet MS"/>
+                <a:cs typeface="Trebuchet MS"/>
+              </a:rPr>
+              <a:t> </a:t>
+            </a:r>
+            <a:r>
+              <a:rPr sz="2000" spc="10" dirty="0">
+                <a:solidFill>
+                  <a:srgbClr val="404040"/>
+                </a:solidFill>
+                <a:latin typeface="Trebuchet MS"/>
+                <a:cs typeface="Trebuchet MS"/>
+              </a:rPr>
+              <a:t>when</a:t>
+            </a:r>
+            <a:r>
+              <a:rPr sz="2000" spc="-55" dirty="0">
+                <a:solidFill>
+                  <a:srgbClr val="404040"/>
+                </a:solidFill>
+                <a:latin typeface="Trebuchet MS"/>
+                <a:cs typeface="Trebuchet MS"/>
+              </a:rPr>
+              <a:t> </a:t>
+            </a:r>
+            <a:r>
+              <a:rPr sz="2000" spc="-150" dirty="0">
+                <a:solidFill>
+                  <a:srgbClr val="404040"/>
+                </a:solidFill>
+                <a:latin typeface="Trebuchet MS"/>
+                <a:cs typeface="Trebuchet MS"/>
+              </a:rPr>
+              <a:t>it</a:t>
+            </a:r>
+            <a:r>
+              <a:rPr sz="2000" spc="-50" dirty="0">
+                <a:solidFill>
+                  <a:srgbClr val="404040"/>
+                </a:solidFill>
+                <a:latin typeface="Trebuchet MS"/>
+                <a:cs typeface="Trebuchet MS"/>
+              </a:rPr>
+              <a:t> </a:t>
             </a:r>
             <a:r>
               <a:rPr sz="2000" spc="30" dirty="0">
@@ -29988,77 +30280,17 @@
                 <a:latin typeface="Trebuchet MS"/>
                 <a:cs typeface="Trebuchet MS"/>
               </a:rPr>
-              <a:t>systems, </a:t>
-            </a:r>
-            <a:r>
-              <a:rPr sz="2000" spc="70" dirty="0">
-                <a:solidFill>
-                  <a:srgbClr val="404040"/>
-                </a:solidFill>
-                <a:latin typeface="Trebuchet MS"/>
-                <a:cs typeface="Trebuchet MS"/>
-              </a:rPr>
-              <a:t>processes</a:t>
-            </a:r>
-            <a:r>
-              <a:rPr sz="2000" spc="-425" dirty="0">
-                <a:solidFill>
-                  <a:srgbClr val="404040"/>
-                </a:solidFill>
-                <a:latin typeface="Trebuchet MS"/>
-                <a:cs typeface="Trebuchet MS"/>
-              </a:rPr>
-              <a:t> </a:t>
-            </a:r>
-            <a:r>
-              <a:rPr sz="2000" spc="-35" dirty="0">
-                <a:solidFill>
-                  <a:srgbClr val="404040"/>
-                </a:solidFill>
-                <a:latin typeface="Trebuchet MS"/>
-                <a:cs typeface="Trebuchet MS"/>
-              </a:rPr>
-              <a:t>(running </a:t>
-            </a:r>
-            <a:r>
-              <a:rPr sz="2000" spc="5" dirty="0">
-                <a:solidFill>
-                  <a:srgbClr val="404040"/>
-                </a:solidFill>
-                <a:latin typeface="Trebuchet MS"/>
-                <a:cs typeface="Trebuchet MS"/>
-              </a:rPr>
-              <a:t>programs) </a:t>
-            </a:r>
-            <a:r>
-              <a:rPr sz="2000" spc="10" dirty="0">
-                <a:solidFill>
-                  <a:srgbClr val="404040"/>
-                </a:solidFill>
-                <a:latin typeface="Trebuchet MS"/>
-                <a:cs typeface="Trebuchet MS"/>
-              </a:rPr>
-              <a:t>need </a:t>
-            </a:r>
-            <a:r>
-              <a:rPr sz="2000" spc="25" dirty="0">
-                <a:solidFill>
-                  <a:srgbClr val="404040"/>
-                </a:solidFill>
-                <a:latin typeface="Trebuchet MS"/>
-                <a:cs typeface="Trebuchet MS"/>
-              </a:rPr>
-              <a:t>a </a:t>
-            </a:r>
-            <a:r>
-              <a:rPr sz="2000" spc="20" dirty="0">
-                <a:solidFill>
-                  <a:srgbClr val="404040"/>
-                </a:solidFill>
-                <a:latin typeface="Trebuchet MS"/>
-                <a:cs typeface="Trebuchet MS"/>
-              </a:rPr>
-              <a:t>way </a:t>
+              <a:t>is</a:t>
+            </a:r>
+            <a:r>
+              <a:rPr sz="2000" spc="-50" dirty="0">
+                <a:solidFill>
+                  <a:srgbClr val="404040"/>
+                </a:solidFill>
+                <a:latin typeface="Trebuchet MS"/>
+                <a:cs typeface="Trebuchet MS"/>
+              </a:rPr>
+              <a:t> </a:t>
             </a:r>
             <a:r>
               <a:rPr sz="2000" spc="-45" dirty="0">
@@ -30068,97 +30300,7 @@
                 <a:latin typeface="Trebuchet MS"/>
                 <a:cs typeface="Trebuchet MS"/>
               </a:rPr>
-              <a:t>to </a:t>
-            </a:r>
-            <a:r>
-              <a:rPr sz="2000" spc="-40" dirty="0">
-                <a:solidFill>
-                  <a:srgbClr val="404040"/>
-                </a:solidFill>
-                <a:latin typeface="Trebuchet MS"/>
-                <a:cs typeface="Trebuchet MS"/>
-              </a:rPr>
-              <a:t>create  </a:t>
-            </a:r>
-            <a:r>
-              <a:rPr sz="2000" spc="5" dirty="0">
-                <a:solidFill>
-                  <a:srgbClr val="404040"/>
-                </a:solidFill>
-                <a:latin typeface="Trebuchet MS"/>
-                <a:cs typeface="Trebuchet MS"/>
-              </a:rPr>
-              <a:t>new </a:t>
-            </a:r>
-            <a:r>
-              <a:rPr sz="2000" spc="45" dirty="0">
-                <a:solidFill>
-                  <a:srgbClr val="404040"/>
-                </a:solidFill>
-                <a:latin typeface="Trebuchet MS"/>
-                <a:cs typeface="Trebuchet MS"/>
-              </a:rPr>
-              <a:t>processes, </a:t>
-            </a:r>
-            <a:r>
-              <a:rPr sz="2000" spc="-60" dirty="0">
-                <a:solidFill>
-                  <a:srgbClr val="404040"/>
-                </a:solidFill>
-                <a:latin typeface="Trebuchet MS"/>
-                <a:cs typeface="Trebuchet MS"/>
-              </a:rPr>
-              <a:t>e.g. </a:t>
-            </a:r>
-            <a:r>
-              <a:rPr sz="2000" spc="-45" dirty="0">
-                <a:solidFill>
-                  <a:srgbClr val="404040"/>
-                </a:solidFill>
-                <a:latin typeface="Trebuchet MS"/>
-                <a:cs typeface="Trebuchet MS"/>
-              </a:rPr>
-              <a:t>to </a:t>
-            </a:r>
-            <a:r>
-              <a:rPr sz="2000" spc="-30" dirty="0">
-                <a:solidFill>
-                  <a:srgbClr val="404040"/>
-                </a:solidFill>
-                <a:latin typeface="Trebuchet MS"/>
-                <a:cs typeface="Trebuchet MS"/>
-              </a:rPr>
-              <a:t>run </a:t>
-            </a:r>
-            <a:r>
-              <a:rPr sz="2000" spc="25" dirty="0">
-                <a:solidFill>
-                  <a:srgbClr val="404040"/>
-                </a:solidFill>
-                <a:latin typeface="Trebuchet MS"/>
-                <a:cs typeface="Trebuchet MS"/>
-              </a:rPr>
-              <a:t>a</a:t>
-            </a:r>
-            <a:r>
-              <a:rPr sz="2000" spc="-229" dirty="0">
-                <a:solidFill>
-                  <a:srgbClr val="404040"/>
-                </a:solidFill>
-                <a:latin typeface="Trebuchet MS"/>
-                <a:cs typeface="Trebuchet MS"/>
-              </a:rPr>
-              <a:t> </a:t>
-            </a:r>
-            <a:r>
-              <a:rPr sz="2000" spc="-10" dirty="0">
-                <a:solidFill>
-                  <a:srgbClr val="404040"/>
-                </a:solidFill>
-                <a:latin typeface="Trebuchet MS"/>
-                <a:cs typeface="Trebuchet MS"/>
-              </a:rPr>
-              <a:t>program.</a:t>
+              <a:t>created.</a:t>
             </a:r>
             <a:endParaRPr sz="2000">
               <a:latin typeface="Trebuchet MS"/>
@@ -30166,31 +30308,120 @@
             </a:endParaRPr>
           </a:p>
           <a:p>
-            <a:pPr marL="129539" indent="-117475">
+            <a:pPr>
               <a:lnSpc>
                 <a:spcPct val="100000"/>
               </a:lnSpc>
-              <a:spcBef>
-                <a:spcPts val="1130"/>
-              </a:spcBef>
+              <a:buClr>
+                <a:srgbClr val="E38312"/>
+              </a:buClr>
+              <a:buFont typeface="Wingdings"/>
+              <a:buChar char=""/>
+            </a:pPr>
+            <a:endParaRPr sz="2300">
+              <a:latin typeface="Trebuchet MS"/>
+              <a:cs typeface="Trebuchet MS"/>
+            </a:endParaRPr>
+          </a:p>
+          <a:p>
+            <a:pPr>
+              <a:lnSpc>
+                <a:spcPct val="100000"/>
+              </a:lnSpc>
+              <a:buClr>
+                <a:srgbClr val="E38312"/>
+              </a:buClr>
+              <a:buFont typeface="Wingdings"/>
+              <a:buChar char=""/>
+            </a:pPr>
+            <a:endParaRPr sz="2000">
+              <a:latin typeface="Trebuchet MS"/>
+              <a:cs typeface="Trebuchet MS"/>
+            </a:endParaRPr>
+          </a:p>
+          <a:p>
+            <a:pPr marL="103505" marR="24130" indent="-91440">
+              <a:lnSpc>
+                <a:spcPts val="2160"/>
+              </a:lnSpc>
               <a:buClr>
                 <a:srgbClr val="E38312"/>
               </a:buClr>
               <a:buFont typeface="Wingdings"/>
               <a:buChar char=""/>
               <a:tabLst>
-                <a:tab pos="130175" algn="l"/>
+                <a:tab pos="269875" algn="l"/>
               </a:tabLst>
             </a:pPr>
             <a:r>
-              <a:rPr sz="2000" spc="80" dirty="0">
-                <a:solidFill>
-                  <a:srgbClr val="404040"/>
-                </a:solidFill>
-                <a:latin typeface="Trebuchet MS"/>
-                <a:cs typeface="Trebuchet MS"/>
-              </a:rPr>
-              <a:t>Process</a:t>
+              <a:rPr sz="2000" spc="-5" dirty="0">
+                <a:solidFill>
+                  <a:srgbClr val="404040"/>
+                </a:solidFill>
+                <a:latin typeface="Trebuchet MS"/>
+                <a:cs typeface="Trebuchet MS"/>
+              </a:rPr>
+              <a:t>The </a:t>
+            </a:r>
+            <a:r>
+              <a:rPr sz="2000" spc="-95" dirty="0">
+                <a:solidFill>
+                  <a:srgbClr val="404040"/>
+                </a:solidFill>
+                <a:latin typeface="Trebuchet MS"/>
+                <a:cs typeface="Trebuchet MS"/>
+              </a:rPr>
+              <a:t>lifetime </a:t>
+            </a:r>
+            <a:r>
+              <a:rPr sz="2000" spc="-40" dirty="0">
+                <a:solidFill>
+                  <a:srgbClr val="404040"/>
+                </a:solidFill>
+                <a:latin typeface="Trebuchet MS"/>
+                <a:cs typeface="Trebuchet MS"/>
+              </a:rPr>
+              <a:t>of </a:t>
+            </a:r>
+            <a:r>
+              <a:rPr sz="2000" spc="25" dirty="0">
+                <a:solidFill>
+                  <a:srgbClr val="404040"/>
+                </a:solidFill>
+                <a:latin typeface="Trebuchet MS"/>
+                <a:cs typeface="Trebuchet MS"/>
+              </a:rPr>
+              <a:t>a </a:t>
+            </a:r>
+            <a:r>
+              <a:rPr sz="2000" spc="65" dirty="0">
+                <a:solidFill>
+                  <a:srgbClr val="404040"/>
+                </a:solidFill>
+                <a:latin typeface="Trebuchet MS"/>
+                <a:cs typeface="Trebuchet MS"/>
+              </a:rPr>
+              <a:t>process ends </a:t>
+            </a:r>
+            <a:r>
+              <a:rPr sz="2000" spc="10" dirty="0">
+                <a:solidFill>
+                  <a:srgbClr val="404040"/>
+                </a:solidFill>
+                <a:latin typeface="Trebuchet MS"/>
+                <a:cs typeface="Trebuchet MS"/>
+              </a:rPr>
+              <a:t>when </a:t>
+            </a:r>
+            <a:r>
+              <a:rPr sz="2000" spc="-35" dirty="0">
+                <a:solidFill>
+                  <a:srgbClr val="404040"/>
+                </a:solidFill>
+                <a:latin typeface="Trebuchet MS"/>
+                <a:cs typeface="Trebuchet MS"/>
+              </a:rPr>
+              <a:t>its </a:t>
             </a:r>
             <a:r>
               <a:rPr sz="2000" spc="-55" dirty="0">
@@ -30200,39 +30431,77 @@
                 <a:latin typeface="Trebuchet MS"/>
                 <a:cs typeface="Trebuchet MS"/>
               </a:rPr>
-              <a:t> state:</a:t>
-            </a:r>
-            <a:endParaRPr sz="2000">
-              <a:latin typeface="Trebuchet MS"/>
-              <a:cs typeface="Trebuchet MS"/>
-            </a:endParaRPr>
-          </a:p>
-          <a:p>
-            <a:pPr marL="396875" lvl="1" indent="-183515">
-              <a:lnSpc>
-                <a:spcPct val="100000"/>
-              </a:lnSpc>
-              <a:spcBef>
-                <a:spcPts val="180"/>
-              </a:spcBef>
-              <a:buClr>
-                <a:srgbClr val="E38312"/>
-              </a:buClr>
-              <a:buFont typeface="Trebuchet MS"/>
-              <a:buChar char="◦"/>
-              <a:tabLst>
-                <a:tab pos="396875" algn="l"/>
-              </a:tabLst>
-            </a:pPr>
-            <a:r>
-              <a:rPr sz="2000" b="1" spc="-75" dirty="0">
-                <a:solidFill>
-                  <a:srgbClr val="404040"/>
-                </a:solidFill>
-                <a:latin typeface="Century Gothic"/>
-                <a:cs typeface="Century Gothic"/>
-              </a:rPr>
-              <a:t>new</a:t>
+              <a:t>termination </a:t>
+            </a:r>
+            <a:r>
+              <a:rPr sz="2000" spc="30" dirty="0">
+                <a:solidFill>
+                  <a:srgbClr val="404040"/>
+                </a:solidFill>
+                <a:latin typeface="Trebuchet MS"/>
+                <a:cs typeface="Trebuchet MS"/>
+              </a:rPr>
+              <a:t>is</a:t>
+            </a:r>
+            <a:r>
+              <a:rPr sz="2000" spc="-430" dirty="0">
+                <a:solidFill>
+                  <a:srgbClr val="404040"/>
+                </a:solidFill>
+                <a:latin typeface="Trebuchet MS"/>
+                <a:cs typeface="Trebuchet MS"/>
+              </a:rPr>
+              <a:t> </a:t>
+            </a:r>
+            <a:r>
+              <a:rPr sz="2000" spc="-30" dirty="0">
+                <a:solidFill>
+                  <a:srgbClr val="404040"/>
+                </a:solidFill>
+                <a:latin typeface="Trebuchet MS"/>
+                <a:cs typeface="Trebuchet MS"/>
+              </a:rPr>
+              <a:t>reported </a:t>
+            </a:r>
+            <a:r>
+              <a:rPr sz="2000" spc="-45" dirty="0">
+                <a:solidFill>
+                  <a:srgbClr val="404040"/>
+                </a:solidFill>
+                <a:latin typeface="Trebuchet MS"/>
+                <a:cs typeface="Trebuchet MS"/>
+              </a:rPr>
+              <a:t>to </a:t>
+            </a:r>
+            <a:r>
+              <a:rPr sz="2000" spc="-35" dirty="0">
+                <a:solidFill>
+                  <a:srgbClr val="404040"/>
+                </a:solidFill>
+                <a:latin typeface="Trebuchet MS"/>
+                <a:cs typeface="Trebuchet MS"/>
+              </a:rPr>
+              <a:t>its parent </a:t>
+            </a:r>
+            <a:r>
+              <a:rPr sz="2000" spc="35" dirty="0">
+                <a:solidFill>
+                  <a:srgbClr val="404040"/>
+                </a:solidFill>
+                <a:latin typeface="Trebuchet MS"/>
+                <a:cs typeface="Trebuchet MS"/>
+              </a:rPr>
+              <a:t>process.  </a:t>
+            </a:r>
+            <a:r>
+              <a:rPr sz="2000" spc="-25" dirty="0">
+                <a:solidFill>
+                  <a:srgbClr val="404040"/>
+                </a:solidFill>
+                <a:latin typeface="Trebuchet MS"/>
+                <a:cs typeface="Trebuchet MS"/>
+              </a:rPr>
+              <a:t>At </a:t>
             </a:r>
             <a:r>
               <a:rPr sz="2000" spc="-75" dirty="0">
@@ -30242,17 +30511,37 @@
                 <a:latin typeface="Trebuchet MS"/>
                 <a:cs typeface="Trebuchet MS"/>
               </a:rPr>
-              <a:t>: </a:t>
-            </a:r>
-            <a:r>
-              <a:rPr sz="2000" spc="-5" dirty="0">
-                <a:solidFill>
-                  <a:srgbClr val="404040"/>
-                </a:solidFill>
-                <a:latin typeface="Trebuchet MS"/>
-                <a:cs typeface="Trebuchet MS"/>
-              </a:rPr>
-              <a:t>The </a:t>
+              <a:t>that </a:t>
+            </a:r>
+            <a:r>
+              <a:rPr sz="2000" spc="-95" dirty="0">
+                <a:solidFill>
+                  <a:srgbClr val="404040"/>
+                </a:solidFill>
+                <a:latin typeface="Trebuchet MS"/>
+                <a:cs typeface="Trebuchet MS"/>
+              </a:rPr>
+              <a:t>time, all </a:t>
+            </a:r>
+            <a:r>
+              <a:rPr sz="2000" spc="-40" dirty="0">
+                <a:solidFill>
+                  <a:srgbClr val="404040"/>
+                </a:solidFill>
+                <a:latin typeface="Trebuchet MS"/>
+                <a:cs typeface="Trebuchet MS"/>
+              </a:rPr>
+              <a:t>of </a:t>
+            </a:r>
+            <a:r>
+              <a:rPr sz="2000" spc="-55" dirty="0">
+                <a:solidFill>
+                  <a:srgbClr val="404040"/>
+                </a:solidFill>
+                <a:latin typeface="Trebuchet MS"/>
+                <a:cs typeface="Trebuchet MS"/>
+              </a:rPr>
+              <a:t>the </a:t>
             </a:r>
             <a:r>
               <a:rPr sz="2000" spc="65" dirty="0">
@@ -30265,96 +30554,54 @@
               <a:t>process </a:t>
             </a:r>
             <a:r>
-              <a:rPr sz="2000" spc="30" dirty="0">
-                <a:solidFill>
-                  <a:srgbClr val="404040"/>
-                </a:solidFill>
-                <a:latin typeface="Trebuchet MS"/>
-                <a:cs typeface="Trebuchet MS"/>
-              </a:rPr>
-              <a:t>is </a:t>
-            </a:r>
-            <a:r>
-              <a:rPr sz="2000" spc="15" dirty="0">
-                <a:solidFill>
-                  <a:srgbClr val="404040"/>
-                </a:solidFill>
-                <a:latin typeface="Trebuchet MS"/>
-                <a:cs typeface="Trebuchet MS"/>
-              </a:rPr>
-              <a:t>being</a:t>
-            </a:r>
-            <a:r>
-              <a:rPr sz="2000" spc="-245" dirty="0">
-                <a:solidFill>
-                  <a:srgbClr val="404040"/>
-                </a:solidFill>
-                <a:latin typeface="Trebuchet MS"/>
-                <a:cs typeface="Trebuchet MS"/>
-              </a:rPr>
-              <a:t> </a:t>
-            </a:r>
-            <a:r>
-              <a:rPr sz="2000" spc="-25" dirty="0">
-                <a:solidFill>
-                  <a:srgbClr val="404040"/>
-                </a:solidFill>
-                <a:latin typeface="Trebuchet MS"/>
-                <a:cs typeface="Trebuchet MS"/>
-              </a:rPr>
-              <a:t>created</a:t>
-            </a:r>
-            <a:endParaRPr sz="2000">
-              <a:latin typeface="Trebuchet MS"/>
-              <a:cs typeface="Trebuchet MS"/>
-            </a:endParaRPr>
-          </a:p>
-          <a:p>
-            <a:pPr marL="396875" lvl="1" indent="-183515">
-              <a:lnSpc>
-                <a:spcPct val="100000"/>
-              </a:lnSpc>
-              <a:spcBef>
-                <a:spcPts val="359"/>
-              </a:spcBef>
-              <a:buClr>
-                <a:srgbClr val="E38312"/>
-              </a:buClr>
-              <a:buFont typeface="Trebuchet MS"/>
-              <a:buChar char="◦"/>
-              <a:tabLst>
-                <a:tab pos="396875" algn="l"/>
-              </a:tabLst>
-            </a:pPr>
-            <a:r>
-              <a:rPr sz="2000" b="1" spc="-25" dirty="0">
-                <a:solidFill>
-                  <a:srgbClr val="404040"/>
-                </a:solidFill>
-                <a:latin typeface="Century Gothic"/>
-                <a:cs typeface="Century Gothic"/>
-              </a:rPr>
-              <a:t>running</a:t>
-            </a:r>
-            <a:r>
-              <a:rPr sz="2000" spc="-25" dirty="0">
-                <a:solidFill>
-                  <a:srgbClr val="404040"/>
-                </a:solidFill>
-                <a:latin typeface="Trebuchet MS"/>
-                <a:cs typeface="Trebuchet MS"/>
-              </a:rPr>
-              <a:t>: </a:t>
-            </a:r>
-            <a:r>
-              <a:rPr sz="2000" spc="-5" dirty="0">
-                <a:solidFill>
-                  <a:srgbClr val="404040"/>
-                </a:solidFill>
-                <a:latin typeface="Trebuchet MS"/>
-                <a:cs typeface="Trebuchet MS"/>
-              </a:rPr>
-              <a:t>Instructions </a:t>
+              <a:rPr sz="2000" spc="10" dirty="0">
+                <a:solidFill>
+                  <a:srgbClr val="404040"/>
+                </a:solidFill>
+                <a:latin typeface="Trebuchet MS"/>
+                <a:cs typeface="Trebuchet MS"/>
+              </a:rPr>
+              <a:t>resources, </a:t>
+            </a:r>
+            <a:r>
+              <a:rPr sz="2000" spc="-10" dirty="0">
+                <a:solidFill>
+                  <a:srgbClr val="404040"/>
+                </a:solidFill>
+                <a:latin typeface="Trebuchet MS"/>
+                <a:cs typeface="Trebuchet MS"/>
+              </a:rPr>
+              <a:t>including </a:t>
+            </a:r>
+            <a:r>
+              <a:rPr sz="2000" spc="-35" dirty="0">
+                <a:solidFill>
+                  <a:srgbClr val="404040"/>
+                </a:solidFill>
+                <a:latin typeface="Trebuchet MS"/>
+                <a:cs typeface="Trebuchet MS"/>
+              </a:rPr>
+              <a:t>its </a:t>
+            </a:r>
+            <a:r>
+              <a:rPr sz="2000" spc="65" dirty="0">
+                <a:solidFill>
+                  <a:srgbClr val="404040"/>
+                </a:solidFill>
+                <a:latin typeface="Trebuchet MS"/>
+                <a:cs typeface="Trebuchet MS"/>
+              </a:rPr>
+              <a:t>process </a:t>
+            </a:r>
+            <a:r>
+              <a:rPr sz="2000" spc="-15" dirty="0">
+                <a:solidFill>
+                  <a:srgbClr val="404040"/>
+                </a:solidFill>
+                <a:latin typeface="Trebuchet MS"/>
+                <a:cs typeface="Trebuchet MS"/>
+              </a:rPr>
+              <a:t>ID, </a:t>
             </a:r>
             <a:r>
               <a:rPr sz="2000" spc="-40" dirty="0">
@@ -30364,433 +30611,27 @@
                 <a:latin typeface="Trebuchet MS"/>
                 <a:cs typeface="Trebuchet MS"/>
               </a:rPr>
-              <a:t>are </a:t>
-            </a:r>
-            <a:r>
-              <a:rPr sz="2000" spc="15" dirty="0">
-                <a:solidFill>
-                  <a:srgbClr val="404040"/>
-                </a:solidFill>
-                <a:latin typeface="Trebuchet MS"/>
-                <a:cs typeface="Trebuchet MS"/>
-              </a:rPr>
-              <a:t>being</a:t>
-            </a:r>
-            <a:r>
-              <a:rPr sz="2000" spc="-155" dirty="0">
-                <a:solidFill>
-                  <a:srgbClr val="404040"/>
-                </a:solidFill>
-                <a:latin typeface="Trebuchet MS"/>
-                <a:cs typeface="Trebuchet MS"/>
-              </a:rPr>
-              <a:t> </a:t>
-            </a:r>
-            <a:r>
-              <a:rPr sz="2000" spc="-5" dirty="0">
-                <a:solidFill>
-                  <a:srgbClr val="404040"/>
-                </a:solidFill>
-                <a:latin typeface="Trebuchet MS"/>
-                <a:cs typeface="Trebuchet MS"/>
-              </a:rPr>
-              <a:t>executed</a:t>
-            </a:r>
-            <a:endParaRPr sz="2000">
-              <a:latin typeface="Trebuchet MS"/>
-              <a:cs typeface="Trebuchet MS"/>
-            </a:endParaRPr>
-          </a:p>
-          <a:p>
-            <a:pPr marL="396875" lvl="1" indent="-183515">
-              <a:lnSpc>
-                <a:spcPct val="100000"/>
-              </a:lnSpc>
-              <a:spcBef>
-                <a:spcPts val="359"/>
-              </a:spcBef>
-              <a:buClr>
-                <a:srgbClr val="E38312"/>
-              </a:buClr>
-              <a:buFont typeface="Trebuchet MS"/>
-              <a:buChar char="◦"/>
-              <a:tabLst>
-                <a:tab pos="396875" algn="l"/>
-              </a:tabLst>
-            </a:pPr>
-            <a:r>
-              <a:rPr sz="2000" b="1" spc="-35" dirty="0">
-                <a:solidFill>
-                  <a:srgbClr val="404040"/>
-                </a:solidFill>
-                <a:latin typeface="Century Gothic"/>
-                <a:cs typeface="Century Gothic"/>
-              </a:rPr>
-              <a:t>waiting</a:t>
-            </a:r>
-            <a:r>
-              <a:rPr sz="2000" spc="-35" dirty="0">
-                <a:solidFill>
-                  <a:srgbClr val="404040"/>
-                </a:solidFill>
-                <a:latin typeface="Trebuchet MS"/>
-                <a:cs typeface="Trebuchet MS"/>
-              </a:rPr>
-              <a:t>: </a:t>
-            </a:r>
-            <a:r>
-              <a:rPr sz="2000" spc="-5" dirty="0">
-                <a:solidFill>
-                  <a:srgbClr val="404040"/>
-                </a:solidFill>
-                <a:latin typeface="Trebuchet MS"/>
-                <a:cs typeface="Trebuchet MS"/>
-              </a:rPr>
-              <a:t>The </a:t>
-            </a:r>
-            <a:r>
-              <a:rPr sz="2000" spc="65" dirty="0">
-                <a:solidFill>
-                  <a:srgbClr val="404040"/>
-                </a:solidFill>
-                <a:latin typeface="Trebuchet MS"/>
-                <a:cs typeface="Trebuchet MS"/>
-              </a:rPr>
-              <a:t>process </a:t>
-            </a:r>
-            <a:r>
-              <a:rPr sz="2000" spc="30" dirty="0">
-                <a:solidFill>
-                  <a:srgbClr val="404040"/>
-                </a:solidFill>
-                <a:latin typeface="Trebuchet MS"/>
-                <a:cs typeface="Trebuchet MS"/>
-              </a:rPr>
-              <a:t>is </a:t>
-            </a:r>
-            <a:r>
-              <a:rPr sz="2000" spc="-35" dirty="0">
-                <a:solidFill>
-                  <a:srgbClr val="404040"/>
-                </a:solidFill>
-                <a:latin typeface="Trebuchet MS"/>
-                <a:cs typeface="Trebuchet MS"/>
-              </a:rPr>
-              <a:t>waiting </a:t>
-            </a:r>
-            <a:r>
-              <a:rPr sz="2000" spc="-65" dirty="0">
-                <a:solidFill>
-                  <a:srgbClr val="404040"/>
-                </a:solidFill>
-                <a:latin typeface="Trebuchet MS"/>
-                <a:cs typeface="Trebuchet MS"/>
-              </a:rPr>
-              <a:t>for </a:t>
-            </a:r>
-            <a:r>
-              <a:rPr sz="2000" spc="70" dirty="0">
-                <a:solidFill>
-                  <a:srgbClr val="404040"/>
-                </a:solidFill>
-                <a:latin typeface="Trebuchet MS"/>
-                <a:cs typeface="Trebuchet MS"/>
-              </a:rPr>
-              <a:t>some </a:t>
-            </a:r>
-            <a:r>
-              <a:rPr sz="2000" spc="-35" dirty="0">
-                <a:solidFill>
-                  <a:srgbClr val="404040"/>
-                </a:solidFill>
-                <a:latin typeface="Trebuchet MS"/>
-                <a:cs typeface="Trebuchet MS"/>
-              </a:rPr>
-              <a:t>event </a:t>
-            </a:r>
-            <a:r>
-              <a:rPr sz="2000" spc="-45" dirty="0">
-                <a:solidFill>
-                  <a:srgbClr val="404040"/>
-                </a:solidFill>
-                <a:latin typeface="Trebuchet MS"/>
-                <a:cs typeface="Trebuchet MS"/>
-              </a:rPr>
-              <a:t>to</a:t>
-            </a:r>
-            <a:r>
-              <a:rPr sz="2000" spc="105" dirty="0">
-                <a:solidFill>
-                  <a:srgbClr val="404040"/>
-                </a:solidFill>
-                <a:latin typeface="Trebuchet MS"/>
-                <a:cs typeface="Trebuchet MS"/>
-              </a:rPr>
-              <a:t> </a:t>
-            </a:r>
-            <a:r>
-              <a:rPr sz="2000" spc="25" dirty="0">
-                <a:solidFill>
-                  <a:srgbClr val="404040"/>
-                </a:solidFill>
-                <a:latin typeface="Trebuchet MS"/>
-                <a:cs typeface="Trebuchet MS"/>
-              </a:rPr>
-              <a:t>occur</a:t>
-            </a:r>
-            <a:endParaRPr sz="2000">
-              <a:latin typeface="Trebuchet MS"/>
-              <a:cs typeface="Trebuchet MS"/>
-            </a:endParaRPr>
-          </a:p>
-          <a:p>
-            <a:pPr marL="396875" lvl="1" indent="-183515">
-              <a:lnSpc>
-                <a:spcPct val="100000"/>
-              </a:lnSpc>
-              <a:spcBef>
-                <a:spcPts val="359"/>
-              </a:spcBef>
-              <a:buClr>
-                <a:srgbClr val="E38312"/>
-              </a:buClr>
-              <a:buFont typeface="Trebuchet MS"/>
-              <a:buChar char="◦"/>
-              <a:tabLst>
-                <a:tab pos="396875" algn="l"/>
-              </a:tabLst>
-            </a:pPr>
-            <a:r>
-              <a:rPr sz="2000" b="1" spc="-100" dirty="0">
-                <a:solidFill>
-                  <a:srgbClr val="404040"/>
-                </a:solidFill>
-                <a:latin typeface="Century Gothic"/>
-                <a:cs typeface="Century Gothic"/>
-              </a:rPr>
-              <a:t>ready</a:t>
-            </a:r>
-            <a:r>
-              <a:rPr sz="2000" spc="-100" dirty="0">
-                <a:solidFill>
-                  <a:srgbClr val="404040"/>
-                </a:solidFill>
-                <a:latin typeface="Trebuchet MS"/>
-                <a:cs typeface="Trebuchet MS"/>
-              </a:rPr>
-              <a:t>: </a:t>
-            </a:r>
-            <a:r>
-              <a:rPr sz="2000" spc="-5" dirty="0">
-                <a:solidFill>
-                  <a:srgbClr val="404040"/>
-                </a:solidFill>
-                <a:latin typeface="Trebuchet MS"/>
-                <a:cs typeface="Trebuchet MS"/>
-              </a:rPr>
-              <a:t>The </a:t>
-            </a:r>
-            <a:r>
-              <a:rPr sz="2000" spc="65" dirty="0">
-                <a:solidFill>
-                  <a:srgbClr val="404040"/>
-                </a:solidFill>
-                <a:latin typeface="Trebuchet MS"/>
-                <a:cs typeface="Trebuchet MS"/>
-              </a:rPr>
-              <a:t>process </a:t>
-            </a:r>
-            <a:r>
-              <a:rPr sz="2000" spc="30" dirty="0">
-                <a:solidFill>
-                  <a:srgbClr val="404040"/>
-                </a:solidFill>
-                <a:latin typeface="Trebuchet MS"/>
-                <a:cs typeface="Trebuchet MS"/>
-              </a:rPr>
-              <a:t>is </a:t>
-            </a:r>
-            <a:r>
-              <a:rPr sz="2000" spc="-35" dirty="0">
-                <a:solidFill>
-                  <a:srgbClr val="404040"/>
-                </a:solidFill>
-                <a:latin typeface="Trebuchet MS"/>
-                <a:cs typeface="Trebuchet MS"/>
-              </a:rPr>
-              <a:t>waiting </a:t>
-            </a:r>
-            <a:r>
-              <a:rPr sz="2000" spc="-45" dirty="0">
-                <a:solidFill>
-                  <a:srgbClr val="404040"/>
-                </a:solidFill>
-                <a:latin typeface="Trebuchet MS"/>
-                <a:cs typeface="Trebuchet MS"/>
-              </a:rPr>
-              <a:t>to </a:t>
-            </a:r>
-            <a:r>
-              <a:rPr sz="2000" spc="25" dirty="0">
-                <a:solidFill>
-                  <a:srgbClr val="404040"/>
-                </a:solidFill>
-                <a:latin typeface="Trebuchet MS"/>
-                <a:cs typeface="Trebuchet MS"/>
-              </a:rPr>
-              <a:t>be </a:t>
-            </a:r>
-            <a:r>
-              <a:rPr sz="2000" spc="60" dirty="0">
-                <a:solidFill>
-                  <a:srgbClr val="404040"/>
-                </a:solidFill>
-                <a:latin typeface="Trebuchet MS"/>
-                <a:cs typeface="Trebuchet MS"/>
-              </a:rPr>
-              <a:t>assigned </a:t>
-            </a:r>
-            <a:r>
-              <a:rPr sz="2000" spc="-45" dirty="0">
-                <a:solidFill>
-                  <a:srgbClr val="404040"/>
-                </a:solidFill>
-                <a:latin typeface="Trebuchet MS"/>
-                <a:cs typeface="Trebuchet MS"/>
-              </a:rPr>
-              <a:t>to </a:t>
-            </a:r>
-            <a:r>
-              <a:rPr sz="2000" spc="25" dirty="0">
-                <a:solidFill>
-                  <a:srgbClr val="404040"/>
-                </a:solidFill>
-                <a:latin typeface="Trebuchet MS"/>
-                <a:cs typeface="Trebuchet MS"/>
-              </a:rPr>
-              <a:t>a</a:t>
-            </a:r>
-            <a:r>
-              <a:rPr sz="2000" spc="-405" dirty="0">
-                <a:solidFill>
-                  <a:srgbClr val="404040"/>
-                </a:solidFill>
-                <a:latin typeface="Trebuchet MS"/>
-                <a:cs typeface="Trebuchet MS"/>
-              </a:rPr>
-              <a:t> </a:t>
-            </a:r>
-            <a:r>
-              <a:rPr sz="2000" spc="45" dirty="0">
-                <a:solidFill>
-                  <a:srgbClr val="404040"/>
-                </a:solidFill>
-                <a:latin typeface="Trebuchet MS"/>
-                <a:cs typeface="Trebuchet MS"/>
-              </a:rPr>
-              <a:t>processor</a:t>
-            </a:r>
-            <a:endParaRPr sz="2000">
-              <a:latin typeface="Trebuchet MS"/>
-              <a:cs typeface="Trebuchet MS"/>
-            </a:endParaRPr>
-          </a:p>
-          <a:p>
-            <a:pPr marL="396875" lvl="1" indent="-183515">
-              <a:lnSpc>
-                <a:spcPct val="100000"/>
-              </a:lnSpc>
-              <a:spcBef>
-                <a:spcPts val="359"/>
-              </a:spcBef>
-              <a:buClr>
-                <a:srgbClr val="E38312"/>
-              </a:buClr>
-              <a:buFont typeface="Trebuchet MS"/>
-              <a:buChar char="◦"/>
-              <a:tabLst>
-                <a:tab pos="396875" algn="l"/>
-              </a:tabLst>
-            </a:pPr>
-            <a:r>
-              <a:rPr sz="2000" b="1" spc="-40" dirty="0">
-                <a:solidFill>
-                  <a:srgbClr val="404040"/>
-                </a:solidFill>
-                <a:latin typeface="Century Gothic"/>
-                <a:cs typeface="Century Gothic"/>
-              </a:rPr>
-              <a:t>terminated</a:t>
-            </a:r>
-            <a:r>
-              <a:rPr sz="2000" spc="-40" dirty="0">
-                <a:solidFill>
-                  <a:srgbClr val="404040"/>
-                </a:solidFill>
-                <a:latin typeface="Trebuchet MS"/>
-                <a:cs typeface="Trebuchet MS"/>
-              </a:rPr>
-              <a:t>: </a:t>
-            </a:r>
-            <a:r>
-              <a:rPr sz="2000" spc="-5" dirty="0">
-                <a:solidFill>
-                  <a:srgbClr val="404040"/>
-                </a:solidFill>
-                <a:latin typeface="Trebuchet MS"/>
-                <a:cs typeface="Trebuchet MS"/>
-              </a:rPr>
-              <a:t>The </a:t>
-            </a:r>
-            <a:r>
-              <a:rPr sz="2000" spc="65" dirty="0">
-                <a:solidFill>
-                  <a:srgbClr val="404040"/>
-                </a:solidFill>
-                <a:latin typeface="Trebuchet MS"/>
-                <a:cs typeface="Trebuchet MS"/>
-              </a:rPr>
-              <a:t>process </a:t>
-            </a:r>
-            <a:r>
-              <a:rPr sz="2000" spc="75" dirty="0">
-                <a:solidFill>
-                  <a:srgbClr val="404040"/>
-                </a:solidFill>
-                <a:latin typeface="Trebuchet MS"/>
-                <a:cs typeface="Trebuchet MS"/>
-              </a:rPr>
-              <a:t>has </a:t>
-            </a:r>
-            <a:r>
-              <a:rPr sz="2000" spc="-20" dirty="0">
-                <a:solidFill>
-                  <a:srgbClr val="404040"/>
-                </a:solidFill>
-                <a:latin typeface="Trebuchet MS"/>
-                <a:cs typeface="Trebuchet MS"/>
-              </a:rPr>
-              <a:t>finished</a:t>
-            </a:r>
-            <a:r>
-              <a:rPr sz="2000" spc="-365" dirty="0">
-                <a:solidFill>
-                  <a:srgbClr val="404040"/>
-                </a:solidFill>
-                <a:latin typeface="Trebuchet MS"/>
-                <a:cs typeface="Trebuchet MS"/>
-              </a:rPr>
-              <a:t> </a:t>
-            </a:r>
-            <a:r>
-              <a:rPr sz="2000" spc="-15" dirty="0">
-                <a:solidFill>
-                  <a:srgbClr val="404040"/>
-                </a:solidFill>
-                <a:latin typeface="Trebuchet MS"/>
-                <a:cs typeface="Trebuchet MS"/>
-              </a:rPr>
-              <a:t>execution</a:t>
+              <a:t>are</a:t>
+            </a:r>
+            <a:r>
+              <a:rPr sz="2000" spc="-330" dirty="0">
+                <a:solidFill>
+                  <a:srgbClr val="404040"/>
+                </a:solidFill>
+                <a:latin typeface="Trebuchet MS"/>
+                <a:cs typeface="Trebuchet MS"/>
+              </a:rPr>
+              <a:t> </a:t>
+            </a:r>
+            <a:r>
+              <a:rPr sz="2000" spc="-70" dirty="0">
+                <a:solidFill>
+                  <a:srgbClr val="404040"/>
+                </a:solidFill>
+                <a:latin typeface="Trebuchet MS"/>
+                <a:cs typeface="Trebuchet MS"/>
+              </a:rPr>
+              <a:t>freed.</a:t>
             </a:r>
             <a:endParaRPr sz="2000">
               <a:latin typeface="Trebuchet MS"/>
@@ -38721,25 +38562,25 @@
         </p:nvSpPr>
         <p:spPr>
           <a:xfrm>
-            <a:off x="1084580" y="1845729"/>
-            <a:ext cx="9846310" cy="2688590"/>
+            <a:off x="1084580" y="1699170"/>
+            <a:ext cx="10064115" cy="3837940"/>
           </a:xfrm>
           <a:prstGeom prst="rect">
             <a:avLst/>
           </a:prstGeom>
         </p:spPr>
         <p:txBody>
-          <a:bodyPr vert="horz" wrap="square" lIns="0" tIns="45720" rIns="0" bIns="0" rtlCol="0">
+          <a:bodyPr vert="horz" wrap="square" lIns="0" tIns="160020" rIns="0" bIns="0" rtlCol="0">
             <a:spAutoFit/>
           </a:bodyPr>
           <a:lstStyle/>
           <a:p>
-            <a:pPr marL="103505" marR="5080" indent="-91440">
+            <a:pPr marL="269875" indent="-257175">
               <a:lnSpc>
-                <a:spcPts val="2180"/>
+                <a:spcPct val="100000"/>
               </a:lnSpc>
               <a:spcBef>
-                <a:spcPts val="360"/>
+                <a:spcPts val="1260"/>
               </a:spcBef>
               <a:buClr>
                 <a:srgbClr val="E38312"/>
@@ -38751,14 +38592,24 @@
               </a:tabLst>
             </a:pPr>
             <a:r>
-              <a:rPr sz="2000" spc="65" dirty="0">
-                <a:solidFill>
-                  <a:srgbClr val="404040"/>
-                </a:solidFill>
-                <a:latin typeface="Trebuchet MS"/>
-                <a:cs typeface="Trebuchet MS"/>
-              </a:rPr>
-              <a:t>Each</a:t>
+              <a:rPr sz="2000" spc="45" dirty="0">
+                <a:solidFill>
+                  <a:srgbClr val="404040"/>
+                </a:solidFill>
+                <a:latin typeface="Trebuchet MS"/>
+                <a:cs typeface="Trebuchet MS"/>
+              </a:rPr>
+              <a:t>Process: </a:t>
+            </a:r>
+            <a:r>
+              <a:rPr sz="2000" spc="30" dirty="0">
+                <a:solidFill>
+                  <a:srgbClr val="404040"/>
+                </a:solidFill>
+                <a:latin typeface="Trebuchet MS"/>
+                <a:cs typeface="Trebuchet MS"/>
+              </a:rPr>
+              <a:t>Program </a:t>
             </a:r>
             <a:r>
               <a:rPr sz="2000" spc="-55" dirty="0">
@@ -38768,327 +38619,27 @@
                 <a:latin typeface="Trebuchet MS"/>
                 <a:cs typeface="Trebuchet MS"/>
               </a:rPr>
-              <a:t> </a:t>
-            </a:r>
-            <a:r>
-              <a:rPr sz="2000" spc="65" dirty="0">
-                <a:solidFill>
-                  <a:srgbClr val="404040"/>
-                </a:solidFill>
-                <a:latin typeface="Trebuchet MS"/>
-                <a:cs typeface="Trebuchet MS"/>
-              </a:rPr>
-              <a:t>process</a:t>
-            </a:r>
-            <a:r>
-              <a:rPr sz="2000" spc="-45" dirty="0">
-                <a:solidFill>
-                  <a:srgbClr val="404040"/>
-                </a:solidFill>
-                <a:latin typeface="Trebuchet MS"/>
-                <a:cs typeface="Trebuchet MS"/>
-              </a:rPr>
-              <a:t> </a:t>
-            </a:r>
-            <a:r>
-              <a:rPr sz="2000" spc="30" dirty="0">
-                <a:solidFill>
-                  <a:srgbClr val="404040"/>
-                </a:solidFill>
-                <a:latin typeface="Trebuchet MS"/>
-                <a:cs typeface="Trebuchet MS"/>
-              </a:rPr>
-              <a:t>is</a:t>
-            </a:r>
-            <a:r>
-              <a:rPr sz="2000" spc="-45" dirty="0">
-                <a:solidFill>
-                  <a:srgbClr val="404040"/>
-                </a:solidFill>
-                <a:latin typeface="Trebuchet MS"/>
-                <a:cs typeface="Trebuchet MS"/>
-              </a:rPr>
-              <a:t> </a:t>
-            </a:r>
-            <a:r>
-              <a:rPr sz="2000" spc="25" dirty="0">
-                <a:solidFill>
-                  <a:srgbClr val="404040"/>
-                </a:solidFill>
-                <a:latin typeface="Trebuchet MS"/>
-                <a:cs typeface="Trebuchet MS"/>
-              </a:rPr>
-              <a:t>named</a:t>
-            </a:r>
-            <a:r>
-              <a:rPr sz="2000" spc="-55" dirty="0">
-                <a:solidFill>
-                  <a:srgbClr val="404040"/>
-                </a:solidFill>
-                <a:latin typeface="Trebuchet MS"/>
-                <a:cs typeface="Trebuchet MS"/>
-              </a:rPr>
-              <a:t> </a:t>
-            </a:r>
-            <a:r>
-              <a:rPr sz="2000" spc="40" dirty="0">
-                <a:solidFill>
-                  <a:srgbClr val="404040"/>
-                </a:solidFill>
-                <a:latin typeface="Trebuchet MS"/>
-                <a:cs typeface="Trebuchet MS"/>
-              </a:rPr>
-              <a:t>by</a:t>
-            </a:r>
-            <a:r>
-              <a:rPr sz="2000" spc="-45" dirty="0">
-                <a:solidFill>
-                  <a:srgbClr val="404040"/>
-                </a:solidFill>
-                <a:latin typeface="Trebuchet MS"/>
-                <a:cs typeface="Trebuchet MS"/>
-              </a:rPr>
-              <a:t> </a:t>
-            </a:r>
-            <a:r>
-              <a:rPr sz="2000" spc="25" dirty="0">
-                <a:solidFill>
-                  <a:srgbClr val="404040"/>
-                </a:solidFill>
-                <a:latin typeface="Trebuchet MS"/>
-                <a:cs typeface="Trebuchet MS"/>
-              </a:rPr>
-              <a:t>a</a:t>
-            </a:r>
-            <a:r>
-              <a:rPr sz="2000" spc="-45" dirty="0">
-                <a:solidFill>
-                  <a:srgbClr val="404040"/>
-                </a:solidFill>
-                <a:latin typeface="Trebuchet MS"/>
-                <a:cs typeface="Trebuchet MS"/>
-              </a:rPr>
-              <a:t> </a:t>
-            </a:r>
-            <a:r>
-              <a:rPr sz="2000" spc="65" dirty="0">
-                <a:solidFill>
-                  <a:srgbClr val="404040"/>
-                </a:solidFill>
-                <a:latin typeface="Trebuchet MS"/>
-                <a:cs typeface="Trebuchet MS"/>
-              </a:rPr>
-              <a:t>process</a:t>
-            </a:r>
-            <a:r>
-              <a:rPr sz="2000" spc="-45" dirty="0">
-                <a:solidFill>
-                  <a:srgbClr val="404040"/>
-                </a:solidFill>
-                <a:latin typeface="Trebuchet MS"/>
-                <a:cs typeface="Trebuchet MS"/>
-              </a:rPr>
-              <a:t> </a:t>
-            </a:r>
-            <a:r>
-              <a:rPr sz="2000" spc="70" dirty="0">
-                <a:solidFill>
-                  <a:srgbClr val="404040"/>
-                </a:solidFill>
-                <a:latin typeface="Trebuchet MS"/>
-                <a:cs typeface="Trebuchet MS"/>
-              </a:rPr>
-              <a:t>ID</a:t>
-            </a:r>
-            <a:r>
-              <a:rPr sz="2000" spc="-50" dirty="0">
-                <a:solidFill>
-                  <a:srgbClr val="404040"/>
-                </a:solidFill>
-                <a:latin typeface="Trebuchet MS"/>
-                <a:cs typeface="Trebuchet MS"/>
-              </a:rPr>
-              <a:t> </a:t>
-            </a:r>
-            <a:r>
-              <a:rPr sz="2000" spc="-25" dirty="0">
-                <a:solidFill>
-                  <a:srgbClr val="404040"/>
-                </a:solidFill>
-                <a:latin typeface="Trebuchet MS"/>
-                <a:cs typeface="Trebuchet MS"/>
-              </a:rPr>
-              <a:t>number.</a:t>
-            </a:r>
-            <a:r>
-              <a:rPr sz="2000" spc="-45" dirty="0">
-                <a:solidFill>
-                  <a:srgbClr val="404040"/>
-                </a:solidFill>
-                <a:latin typeface="Trebuchet MS"/>
-                <a:cs typeface="Trebuchet MS"/>
-              </a:rPr>
-              <a:t> Generally, </a:t>
-            </a:r>
-            <a:r>
-              <a:rPr sz="2000" spc="65" dirty="0">
-                <a:solidFill>
-                  <a:srgbClr val="404040"/>
-                </a:solidFill>
-                <a:latin typeface="Trebuchet MS"/>
-                <a:cs typeface="Trebuchet MS"/>
-              </a:rPr>
-              <a:t>process</a:t>
-            </a:r>
-            <a:r>
-              <a:rPr sz="2000" spc="-45" dirty="0">
-                <a:solidFill>
-                  <a:srgbClr val="404040"/>
-                </a:solidFill>
-                <a:latin typeface="Trebuchet MS"/>
-                <a:cs typeface="Trebuchet MS"/>
-              </a:rPr>
-              <a:t> </a:t>
-            </a:r>
-            <a:r>
-              <a:rPr sz="2000" spc="30" dirty="0">
-                <a:solidFill>
-                  <a:srgbClr val="404040"/>
-                </a:solidFill>
-                <a:latin typeface="Trebuchet MS"/>
-                <a:cs typeface="Trebuchet MS"/>
-              </a:rPr>
-              <a:t>is</a:t>
-            </a:r>
-            <a:r>
-              <a:rPr sz="2000" spc="-50" dirty="0">
-                <a:solidFill>
-                  <a:srgbClr val="404040"/>
-                </a:solidFill>
-                <a:latin typeface="Trebuchet MS"/>
-                <a:cs typeface="Trebuchet MS"/>
-              </a:rPr>
-              <a:t> </a:t>
-            </a:r>
-            <a:r>
-              <a:rPr sz="2000" spc="-60" dirty="0">
-                <a:solidFill>
-                  <a:srgbClr val="404040"/>
-                </a:solidFill>
-                <a:latin typeface="Trebuchet MS"/>
-                <a:cs typeface="Trebuchet MS"/>
-              </a:rPr>
-              <a:t>identified</a:t>
-            </a:r>
-            <a:r>
-              <a:rPr sz="2000" spc="-50" dirty="0">
-                <a:solidFill>
-                  <a:srgbClr val="404040"/>
-                </a:solidFill>
-                <a:latin typeface="Trebuchet MS"/>
-                <a:cs typeface="Trebuchet MS"/>
-              </a:rPr>
-              <a:t> </a:t>
-            </a:r>
-            <a:r>
-              <a:rPr sz="2000" spc="35" dirty="0">
-                <a:solidFill>
-                  <a:srgbClr val="404040"/>
-                </a:solidFill>
-                <a:latin typeface="Trebuchet MS"/>
-                <a:cs typeface="Trebuchet MS"/>
-              </a:rPr>
-              <a:t>and  </a:t>
-            </a:r>
-            <a:r>
-              <a:rPr sz="2000" spc="40" dirty="0">
-                <a:solidFill>
-                  <a:srgbClr val="404040"/>
-                </a:solidFill>
-                <a:latin typeface="Trebuchet MS"/>
-                <a:cs typeface="Trebuchet MS"/>
-              </a:rPr>
-              <a:t>managed </a:t>
-            </a:r>
-            <a:r>
-              <a:rPr sz="2000" spc="-30" dirty="0">
-                <a:solidFill>
-                  <a:srgbClr val="404040"/>
-                </a:solidFill>
-                <a:latin typeface="Trebuchet MS"/>
-                <a:cs typeface="Trebuchet MS"/>
-              </a:rPr>
-              <a:t>via </a:t>
-            </a:r>
-            <a:r>
-              <a:rPr sz="2000" spc="25" dirty="0">
-                <a:solidFill>
-                  <a:srgbClr val="404040"/>
-                </a:solidFill>
-                <a:latin typeface="Trebuchet MS"/>
-                <a:cs typeface="Trebuchet MS"/>
-              </a:rPr>
-              <a:t>a </a:t>
-            </a:r>
-            <a:r>
-              <a:rPr sz="2000" b="1" spc="10" dirty="0">
-                <a:solidFill>
-                  <a:srgbClr val="006FC0"/>
-                </a:solidFill>
-                <a:latin typeface="Century Gothic"/>
-                <a:cs typeface="Century Gothic"/>
-              </a:rPr>
-              <a:t>process </a:t>
-            </a:r>
-            <a:r>
-              <a:rPr sz="2000" b="1" spc="5" dirty="0">
-                <a:solidFill>
-                  <a:srgbClr val="006FC0"/>
-                </a:solidFill>
-                <a:latin typeface="Century Gothic"/>
-                <a:cs typeface="Century Gothic"/>
-              </a:rPr>
-              <a:t>identifier</a:t>
-            </a:r>
-            <a:r>
-              <a:rPr sz="2000" b="1" spc="-220" dirty="0">
-                <a:solidFill>
-                  <a:srgbClr val="006FC0"/>
-                </a:solidFill>
-                <a:latin typeface="Century Gothic"/>
-                <a:cs typeface="Century Gothic"/>
-              </a:rPr>
-              <a:t> </a:t>
-            </a:r>
-            <a:r>
-              <a:rPr sz="2000" spc="-125" dirty="0">
-                <a:solidFill>
-                  <a:srgbClr val="006FC0"/>
-                </a:solidFill>
-                <a:latin typeface="Trebuchet MS"/>
-                <a:cs typeface="Trebuchet MS"/>
-              </a:rPr>
-              <a:t>(</a:t>
-            </a:r>
-            <a:r>
-              <a:rPr sz="2000" b="1" spc="-125" dirty="0">
-                <a:solidFill>
-                  <a:srgbClr val="006FC0"/>
-                </a:solidFill>
-                <a:latin typeface="Century Gothic"/>
-                <a:cs typeface="Century Gothic"/>
-              </a:rPr>
-              <a:t>pid</a:t>
-            </a:r>
-            <a:r>
-              <a:rPr sz="2000" spc="-125" dirty="0">
-                <a:solidFill>
-                  <a:srgbClr val="006FC0"/>
-                </a:solidFill>
-                <a:latin typeface="Trebuchet MS"/>
-                <a:cs typeface="Trebuchet MS"/>
-              </a:rPr>
-              <a:t>)</a:t>
+              <a:t>in</a:t>
+            </a:r>
+            <a:r>
+              <a:rPr sz="2000" spc="-240" dirty="0">
+                <a:solidFill>
+                  <a:srgbClr val="404040"/>
+                </a:solidFill>
+                <a:latin typeface="Trebuchet MS"/>
+                <a:cs typeface="Trebuchet MS"/>
+              </a:rPr>
+              <a:t> </a:t>
+            </a:r>
+            <a:r>
+              <a:rPr sz="2000" spc="-15" dirty="0">
+                <a:solidFill>
+                  <a:srgbClr val="404040"/>
+                </a:solidFill>
+                <a:latin typeface="Trebuchet MS"/>
+                <a:cs typeface="Trebuchet MS"/>
+              </a:rPr>
+              <a:t>execution</a:t>
             </a:r>
             <a:endParaRPr sz="2000">
               <a:latin typeface="Trebuchet MS"/>
@@ -39096,28 +38647,216 @@
             </a:endParaRPr>
           </a:p>
           <a:p>
-            <a:pPr>
-              <a:lnSpc>
-                <a:spcPct val="100000"/>
-              </a:lnSpc>
-              <a:buClr>
-                <a:srgbClr val="E38312"/>
-              </a:buClr>
-              <a:buFont typeface="Wingdings"/>
-              <a:buChar char=""/>
-            </a:pPr>
-            <a:endParaRPr sz="2400">
-              <a:latin typeface="Trebuchet MS"/>
-              <a:cs typeface="Trebuchet MS"/>
-            </a:endParaRPr>
-          </a:p>
-          <a:p>
-            <a:pPr marL="269875" indent="-257175">
+            <a:pPr marL="294005">
               <a:lnSpc>
                 <a:spcPct val="100000"/>
               </a:lnSpc>
               <a:spcBef>
-                <a:spcPts val="1875"/>
+                <a:spcPts val="1160"/>
+              </a:spcBef>
+            </a:pPr>
+            <a:r>
+              <a:rPr sz="2000" spc="-30" dirty="0">
+                <a:solidFill>
+                  <a:srgbClr val="404040"/>
+                </a:solidFill>
+                <a:latin typeface="Trebuchet MS"/>
+                <a:cs typeface="Trebuchet MS"/>
+              </a:rPr>
+              <a:t>Multiple</a:t>
+            </a:r>
+            <a:r>
+              <a:rPr sz="2000" spc="-50" dirty="0">
+                <a:solidFill>
+                  <a:srgbClr val="404040"/>
+                </a:solidFill>
+                <a:latin typeface="Trebuchet MS"/>
+                <a:cs typeface="Trebuchet MS"/>
+              </a:rPr>
+              <a:t> </a:t>
+            </a:r>
+            <a:r>
+              <a:rPr sz="2000" spc="45" dirty="0">
+                <a:solidFill>
+                  <a:srgbClr val="404040"/>
+                </a:solidFill>
+                <a:latin typeface="Trebuchet MS"/>
+                <a:cs typeface="Trebuchet MS"/>
+              </a:rPr>
+              <a:t>processes:</a:t>
+            </a:r>
+            <a:r>
+              <a:rPr sz="2000" spc="-50" dirty="0">
+                <a:solidFill>
+                  <a:srgbClr val="404040"/>
+                </a:solidFill>
+                <a:latin typeface="Trebuchet MS"/>
+                <a:cs typeface="Trebuchet MS"/>
+              </a:rPr>
+              <a:t> </a:t>
+            </a:r>
+            <a:r>
+              <a:rPr sz="2000" dirty="0">
+                <a:solidFill>
+                  <a:srgbClr val="404040"/>
+                </a:solidFill>
+                <a:latin typeface="Trebuchet MS"/>
+                <a:cs typeface="Trebuchet MS"/>
+              </a:rPr>
+              <a:t>Concurrent</a:t>
+            </a:r>
+            <a:r>
+              <a:rPr sz="2000" spc="-50" dirty="0">
+                <a:solidFill>
+                  <a:srgbClr val="404040"/>
+                </a:solidFill>
+                <a:latin typeface="Trebuchet MS"/>
+                <a:cs typeface="Trebuchet MS"/>
+              </a:rPr>
+              <a:t> </a:t>
+            </a:r>
+            <a:r>
+              <a:rPr sz="2000" spc="105" dirty="0">
+                <a:solidFill>
+                  <a:srgbClr val="404040"/>
+                </a:solidFill>
+                <a:latin typeface="Trebuchet MS"/>
+                <a:cs typeface="Trebuchet MS"/>
+              </a:rPr>
+              <a:t>vs</a:t>
+            </a:r>
+            <a:r>
+              <a:rPr sz="2000" spc="-45" dirty="0">
+                <a:solidFill>
+                  <a:srgbClr val="404040"/>
+                </a:solidFill>
+                <a:latin typeface="Trebuchet MS"/>
+                <a:cs typeface="Trebuchet MS"/>
+              </a:rPr>
+              <a:t> </a:t>
+            </a:r>
+            <a:r>
+              <a:rPr sz="2000" spc="-60" dirty="0">
+                <a:solidFill>
+                  <a:srgbClr val="404040"/>
+                </a:solidFill>
+                <a:latin typeface="Trebuchet MS"/>
+                <a:cs typeface="Trebuchet MS"/>
+              </a:rPr>
+              <a:t>Parallel.</a:t>
+            </a:r>
+            <a:r>
+              <a:rPr sz="2000" spc="-50" dirty="0">
+                <a:solidFill>
+                  <a:srgbClr val="404040"/>
+                </a:solidFill>
+                <a:latin typeface="Trebuchet MS"/>
+                <a:cs typeface="Trebuchet MS"/>
+              </a:rPr>
+              <a:t> </a:t>
+            </a:r>
+            <a:r>
+              <a:rPr sz="2000" spc="55" dirty="0">
+                <a:solidFill>
+                  <a:srgbClr val="404040"/>
+                </a:solidFill>
+                <a:latin typeface="Trebuchet MS"/>
+                <a:cs typeface="Trebuchet MS"/>
+              </a:rPr>
+              <a:t>Processor</a:t>
+            </a:r>
+            <a:r>
+              <a:rPr sz="2000" spc="-55" dirty="0">
+                <a:solidFill>
+                  <a:srgbClr val="404040"/>
+                </a:solidFill>
+                <a:latin typeface="Trebuchet MS"/>
+                <a:cs typeface="Trebuchet MS"/>
+              </a:rPr>
+              <a:t> </a:t>
+            </a:r>
+            <a:r>
+              <a:rPr sz="2000" spc="105" dirty="0">
+                <a:solidFill>
+                  <a:srgbClr val="404040"/>
+                </a:solidFill>
+                <a:latin typeface="Trebuchet MS"/>
+                <a:cs typeface="Trebuchet MS"/>
+              </a:rPr>
+              <a:t>vs</a:t>
+            </a:r>
+            <a:r>
+              <a:rPr sz="2000" spc="-50" dirty="0">
+                <a:solidFill>
+                  <a:srgbClr val="404040"/>
+                </a:solidFill>
+                <a:latin typeface="Trebuchet MS"/>
+                <a:cs typeface="Trebuchet MS"/>
+              </a:rPr>
+              <a:t> </a:t>
+            </a:r>
+            <a:r>
+              <a:rPr sz="2000" spc="190" dirty="0">
+                <a:solidFill>
+                  <a:srgbClr val="404040"/>
+                </a:solidFill>
+                <a:latin typeface="Trebuchet MS"/>
+                <a:cs typeface="Trebuchet MS"/>
+              </a:rPr>
+              <a:t>CPU</a:t>
+            </a:r>
+            <a:r>
+              <a:rPr sz="2000" spc="-50" dirty="0">
+                <a:solidFill>
+                  <a:srgbClr val="404040"/>
+                </a:solidFill>
+                <a:latin typeface="Trebuchet MS"/>
+                <a:cs typeface="Trebuchet MS"/>
+              </a:rPr>
+              <a:t> </a:t>
+            </a:r>
+            <a:r>
+              <a:rPr sz="2000" spc="105" dirty="0">
+                <a:solidFill>
+                  <a:srgbClr val="404040"/>
+                </a:solidFill>
+                <a:latin typeface="Trebuchet MS"/>
+                <a:cs typeface="Trebuchet MS"/>
+              </a:rPr>
+              <a:t>vs</a:t>
+            </a:r>
+            <a:r>
+              <a:rPr sz="2000" spc="-50" dirty="0">
+                <a:solidFill>
+                  <a:srgbClr val="404040"/>
+                </a:solidFill>
+                <a:latin typeface="Trebuchet MS"/>
+                <a:cs typeface="Trebuchet MS"/>
+              </a:rPr>
+              <a:t> </a:t>
+            </a:r>
+            <a:r>
+              <a:rPr sz="2000" spc="45" dirty="0">
+                <a:solidFill>
+                  <a:srgbClr val="404040"/>
+                </a:solidFill>
+                <a:latin typeface="Trebuchet MS"/>
+                <a:cs typeface="Trebuchet MS"/>
+              </a:rPr>
+              <a:t>Core</a:t>
+            </a:r>
+            <a:endParaRPr sz="2000">
+              <a:latin typeface="Trebuchet MS"/>
+              <a:cs typeface="Trebuchet MS"/>
+            </a:endParaRPr>
+          </a:p>
+          <a:p>
+            <a:pPr marL="103505" marR="5080" indent="-91440">
+              <a:lnSpc>
+                <a:spcPts val="2160"/>
+              </a:lnSpc>
+              <a:spcBef>
+                <a:spcPts val="1430"/>
               </a:spcBef>
               <a:buClr>
                 <a:srgbClr val="E38312"/>
@@ -39129,64 +38868,44 @@
               </a:tabLst>
             </a:pPr>
             <a:r>
-              <a:rPr sz="2000" spc="114" dirty="0">
-                <a:solidFill>
-                  <a:srgbClr val="404040"/>
-                </a:solidFill>
-                <a:latin typeface="Trebuchet MS"/>
-                <a:cs typeface="Trebuchet MS"/>
-              </a:rPr>
-              <a:t>A</a:t>
-            </a:r>
-            <a:r>
-              <a:rPr sz="2000" spc="-55" dirty="0">
-                <a:solidFill>
-                  <a:srgbClr val="404040"/>
-                </a:solidFill>
-                <a:latin typeface="Trebuchet MS"/>
-                <a:cs typeface="Trebuchet MS"/>
-              </a:rPr>
-              <a:t> </a:t>
-            </a:r>
-            <a:r>
-              <a:rPr sz="2000" spc="-5" dirty="0">
-                <a:solidFill>
-                  <a:srgbClr val="404040"/>
-                </a:solidFill>
-                <a:latin typeface="Trebuchet MS"/>
-                <a:cs typeface="Trebuchet MS"/>
-              </a:rPr>
-              <a:t>unique</a:t>
-            </a:r>
-            <a:r>
-              <a:rPr sz="2000" spc="-50" dirty="0">
-                <a:solidFill>
-                  <a:srgbClr val="404040"/>
-                </a:solidFill>
-                <a:latin typeface="Trebuchet MS"/>
-                <a:cs typeface="Trebuchet MS"/>
-              </a:rPr>
-              <a:t> </a:t>
-            </a:r>
-            <a:r>
-              <a:rPr sz="2000" spc="65" dirty="0">
-                <a:solidFill>
-                  <a:srgbClr val="404040"/>
-                </a:solidFill>
-                <a:latin typeface="Trebuchet MS"/>
-                <a:cs typeface="Trebuchet MS"/>
-              </a:rPr>
-              <a:t>process</a:t>
-            </a:r>
-            <a:r>
-              <a:rPr sz="2000" spc="-50" dirty="0">
-                <a:solidFill>
-                  <a:srgbClr val="404040"/>
-                </a:solidFill>
-                <a:latin typeface="Trebuchet MS"/>
-                <a:cs typeface="Trebuchet MS"/>
-              </a:rPr>
-              <a:t> </a:t>
+              <a:rPr sz="2000" spc="-10" dirty="0">
+                <a:solidFill>
+                  <a:srgbClr val="404040"/>
+                </a:solidFill>
+                <a:latin typeface="Trebuchet MS"/>
+                <a:cs typeface="Trebuchet MS"/>
+              </a:rPr>
+              <a:t>In </a:t>
+            </a:r>
+            <a:r>
+              <a:rPr sz="2000" spc="-25" dirty="0">
+                <a:solidFill>
+                  <a:srgbClr val="404040"/>
+                </a:solidFill>
+                <a:latin typeface="Trebuchet MS"/>
+                <a:cs typeface="Trebuchet MS"/>
+              </a:rPr>
+              <a:t>multitasking </a:t>
+            </a:r>
+            <a:r>
+              <a:rPr sz="2000" spc="-15" dirty="0">
+                <a:solidFill>
+                  <a:srgbClr val="404040"/>
+                </a:solidFill>
+                <a:latin typeface="Trebuchet MS"/>
+                <a:cs typeface="Trebuchet MS"/>
+              </a:rPr>
+              <a:t>operating </a:t>
+            </a:r>
+            <a:r>
+              <a:rPr sz="2000" spc="30" dirty="0">
+                <a:solidFill>
+                  <a:srgbClr val="404040"/>
+                </a:solidFill>
+                <a:latin typeface="Trebuchet MS"/>
+                <a:cs typeface="Trebuchet MS"/>
+              </a:rPr>
+              <a:t>systems, </a:t>
             </a:r>
             <a:r>
               <a:rPr sz="2000" spc="70" dirty="0">
@@ -39196,57 +38915,67 @@
                 <a:latin typeface="Trebuchet MS"/>
                 <a:cs typeface="Trebuchet MS"/>
               </a:rPr>
-              <a:t>ID</a:t>
-            </a:r>
-            <a:r>
-              <a:rPr sz="2000" spc="-50" dirty="0">
-                <a:solidFill>
-                  <a:srgbClr val="404040"/>
-                </a:solidFill>
-                <a:latin typeface="Trebuchet MS"/>
-                <a:cs typeface="Trebuchet MS"/>
-              </a:rPr>
-              <a:t> </a:t>
-            </a:r>
-            <a:r>
-              <a:rPr sz="2000" spc="30" dirty="0">
-                <a:solidFill>
-                  <a:srgbClr val="404040"/>
-                </a:solidFill>
-                <a:latin typeface="Trebuchet MS"/>
-                <a:cs typeface="Trebuchet MS"/>
-              </a:rPr>
-              <a:t>is</a:t>
-            </a:r>
-            <a:r>
-              <a:rPr sz="2000" spc="-50" dirty="0">
-                <a:solidFill>
-                  <a:srgbClr val="404040"/>
-                </a:solidFill>
-                <a:latin typeface="Trebuchet MS"/>
-                <a:cs typeface="Trebuchet MS"/>
-              </a:rPr>
-              <a:t> </a:t>
-            </a:r>
-            <a:r>
-              <a:rPr sz="2000" spc="-25" dirty="0">
-                <a:solidFill>
-                  <a:srgbClr val="404040"/>
-                </a:solidFill>
-                <a:latin typeface="Trebuchet MS"/>
-                <a:cs typeface="Trebuchet MS"/>
-              </a:rPr>
-              <a:t>allocated</a:t>
-            </a:r>
-            <a:r>
-              <a:rPr sz="2000" spc="-55" dirty="0">
-                <a:solidFill>
-                  <a:srgbClr val="404040"/>
-                </a:solidFill>
-                <a:latin typeface="Trebuchet MS"/>
-                <a:cs typeface="Trebuchet MS"/>
-              </a:rPr>
-              <a:t> </a:t>
+              <a:t>processes</a:t>
+            </a:r>
+            <a:r>
+              <a:rPr sz="2000" spc="-425" dirty="0">
+                <a:solidFill>
+                  <a:srgbClr val="404040"/>
+                </a:solidFill>
+                <a:latin typeface="Trebuchet MS"/>
+                <a:cs typeface="Trebuchet MS"/>
+              </a:rPr>
+              <a:t> </a:t>
+            </a:r>
+            <a:r>
+              <a:rPr sz="2000" spc="-35" dirty="0">
+                <a:solidFill>
+                  <a:srgbClr val="404040"/>
+                </a:solidFill>
+                <a:latin typeface="Trebuchet MS"/>
+                <a:cs typeface="Trebuchet MS"/>
+              </a:rPr>
+              <a:t>(running </a:t>
+            </a:r>
+            <a:r>
+              <a:rPr sz="2000" spc="5" dirty="0">
+                <a:solidFill>
+                  <a:srgbClr val="404040"/>
+                </a:solidFill>
+                <a:latin typeface="Trebuchet MS"/>
+                <a:cs typeface="Trebuchet MS"/>
+              </a:rPr>
+              <a:t>programs) </a:t>
+            </a:r>
+            <a:r>
+              <a:rPr sz="2000" spc="10" dirty="0">
+                <a:solidFill>
+                  <a:srgbClr val="404040"/>
+                </a:solidFill>
+                <a:latin typeface="Trebuchet MS"/>
+                <a:cs typeface="Trebuchet MS"/>
+              </a:rPr>
+              <a:t>need </a:t>
+            </a:r>
+            <a:r>
+              <a:rPr sz="2000" spc="25" dirty="0">
+                <a:solidFill>
+                  <a:srgbClr val="404040"/>
+                </a:solidFill>
+                <a:latin typeface="Trebuchet MS"/>
+                <a:cs typeface="Trebuchet MS"/>
+              </a:rPr>
+              <a:t>a </a:t>
+            </a:r>
+            <a:r>
+              <a:rPr sz="2000" spc="20" dirty="0">
+                <a:solidFill>
+                  <a:srgbClr val="404040"/>
+                </a:solidFill>
+                <a:latin typeface="Trebuchet MS"/>
+                <a:cs typeface="Trebuchet MS"/>
+              </a:rPr>
+              <a:t>way </a:t>
             </a:r>
             <a:r>
               <a:rPr sz="2000" spc="-45" dirty="0">
@@ -39256,17 +38985,67 @@
                 <a:latin typeface="Trebuchet MS"/>
                 <a:cs typeface="Trebuchet MS"/>
               </a:rPr>
-              <a:t>to</a:t>
-            </a:r>
-            <a:r>
-              <a:rPr sz="2000" spc="-50" dirty="0">
-                <a:solidFill>
-                  <a:srgbClr val="404040"/>
-                </a:solidFill>
-                <a:latin typeface="Trebuchet MS"/>
-                <a:cs typeface="Trebuchet MS"/>
-              </a:rPr>
-              <a:t> </a:t>
+              <a:t>to </a:t>
+            </a:r>
+            <a:r>
+              <a:rPr sz="2000" spc="-40" dirty="0">
+                <a:solidFill>
+                  <a:srgbClr val="404040"/>
+                </a:solidFill>
+                <a:latin typeface="Trebuchet MS"/>
+                <a:cs typeface="Trebuchet MS"/>
+              </a:rPr>
+              <a:t>create  </a:t>
+            </a:r>
+            <a:r>
+              <a:rPr sz="2000" spc="5" dirty="0">
+                <a:solidFill>
+                  <a:srgbClr val="404040"/>
+                </a:solidFill>
+                <a:latin typeface="Trebuchet MS"/>
+                <a:cs typeface="Trebuchet MS"/>
+              </a:rPr>
+              <a:t>new </a:t>
+            </a:r>
+            <a:r>
+              <a:rPr sz="2000" spc="45" dirty="0">
+                <a:solidFill>
+                  <a:srgbClr val="404040"/>
+                </a:solidFill>
+                <a:latin typeface="Trebuchet MS"/>
+                <a:cs typeface="Trebuchet MS"/>
+              </a:rPr>
+              <a:t>processes, </a:t>
+            </a:r>
+            <a:r>
+              <a:rPr sz="2000" spc="-60" dirty="0">
+                <a:solidFill>
+                  <a:srgbClr val="404040"/>
+                </a:solidFill>
+                <a:latin typeface="Trebuchet MS"/>
+                <a:cs typeface="Trebuchet MS"/>
+              </a:rPr>
+              <a:t>e.g. </a:t>
+            </a:r>
+            <a:r>
+              <a:rPr sz="2000" spc="-45" dirty="0">
+                <a:solidFill>
+                  <a:srgbClr val="404040"/>
+                </a:solidFill>
+                <a:latin typeface="Trebuchet MS"/>
+                <a:cs typeface="Trebuchet MS"/>
+              </a:rPr>
+              <a:t>to </a:t>
+            </a:r>
+            <a:r>
+              <a:rPr sz="2000" spc="-30" dirty="0">
+                <a:solidFill>
+                  <a:srgbClr val="404040"/>
+                </a:solidFill>
+                <a:latin typeface="Trebuchet MS"/>
+                <a:cs typeface="Trebuchet MS"/>
+              </a:rPr>
+              <a:t>run </a:t>
             </a:r>
             <a:r>
               <a:rPr sz="2000" spc="25" dirty="0">
@@ -39276,107 +39055,27 @@
                 <a:latin typeface="Trebuchet MS"/>
                 <a:cs typeface="Trebuchet MS"/>
               </a:rPr>
-              <a:t>each</a:t>
-            </a:r>
-            <a:r>
-              <a:rPr sz="2000" spc="-55" dirty="0">
-                <a:solidFill>
-                  <a:srgbClr val="404040"/>
-                </a:solidFill>
-                <a:latin typeface="Trebuchet MS"/>
-                <a:cs typeface="Trebuchet MS"/>
-              </a:rPr>
-              <a:t> </a:t>
-            </a:r>
-            <a:r>
-              <a:rPr sz="2000" spc="65" dirty="0">
-                <a:solidFill>
-                  <a:srgbClr val="404040"/>
-                </a:solidFill>
-                <a:latin typeface="Trebuchet MS"/>
-                <a:cs typeface="Trebuchet MS"/>
-              </a:rPr>
-              <a:t>process</a:t>
-            </a:r>
-            <a:r>
-              <a:rPr sz="2000" spc="-45" dirty="0">
-                <a:solidFill>
-                  <a:srgbClr val="404040"/>
-                </a:solidFill>
-                <a:latin typeface="Trebuchet MS"/>
-                <a:cs typeface="Trebuchet MS"/>
-              </a:rPr>
-              <a:t> </a:t>
-            </a:r>
-            <a:r>
-              <a:rPr sz="2000" spc="10" dirty="0">
-                <a:solidFill>
-                  <a:srgbClr val="404040"/>
-                </a:solidFill>
-                <a:latin typeface="Trebuchet MS"/>
-                <a:cs typeface="Trebuchet MS"/>
-              </a:rPr>
-              <a:t>when</a:t>
-            </a:r>
-            <a:r>
-              <a:rPr sz="2000" spc="-55" dirty="0">
-                <a:solidFill>
-                  <a:srgbClr val="404040"/>
-                </a:solidFill>
-                <a:latin typeface="Trebuchet MS"/>
-                <a:cs typeface="Trebuchet MS"/>
-              </a:rPr>
-              <a:t> </a:t>
-            </a:r>
-            <a:r>
-              <a:rPr sz="2000" spc="-150" dirty="0">
-                <a:solidFill>
-                  <a:srgbClr val="404040"/>
-                </a:solidFill>
-                <a:latin typeface="Trebuchet MS"/>
-                <a:cs typeface="Trebuchet MS"/>
-              </a:rPr>
-              <a:t>it</a:t>
-            </a:r>
-            <a:r>
-              <a:rPr sz="2000" spc="-50" dirty="0">
-                <a:solidFill>
-                  <a:srgbClr val="404040"/>
-                </a:solidFill>
-                <a:latin typeface="Trebuchet MS"/>
-                <a:cs typeface="Trebuchet MS"/>
-              </a:rPr>
-              <a:t> </a:t>
-            </a:r>
-            <a:r>
-              <a:rPr sz="2000" spc="30" dirty="0">
-                <a:solidFill>
-                  <a:srgbClr val="404040"/>
-                </a:solidFill>
-                <a:latin typeface="Trebuchet MS"/>
-                <a:cs typeface="Trebuchet MS"/>
-              </a:rPr>
-              <a:t>is</a:t>
-            </a:r>
-            <a:r>
-              <a:rPr sz="2000" spc="-50" dirty="0">
-                <a:solidFill>
-                  <a:srgbClr val="404040"/>
-                </a:solidFill>
-                <a:latin typeface="Trebuchet MS"/>
-                <a:cs typeface="Trebuchet MS"/>
-              </a:rPr>
-              <a:t> </a:t>
-            </a:r>
-            <a:r>
-              <a:rPr sz="2000" spc="-45" dirty="0">
-                <a:solidFill>
-                  <a:srgbClr val="404040"/>
-                </a:solidFill>
-                <a:latin typeface="Trebuchet MS"/>
-                <a:cs typeface="Trebuchet MS"/>
-              </a:rPr>
-              <a:t>created.</a:t>
+              <a:t>a</a:t>
+            </a:r>
+            <a:r>
+              <a:rPr sz="2000" spc="-229" dirty="0">
+                <a:solidFill>
+                  <a:srgbClr val="404040"/>
+                </a:solidFill>
+                <a:latin typeface="Trebuchet MS"/>
+                <a:cs typeface="Trebuchet MS"/>
+              </a:rPr>
+              <a:t> </a:t>
+            </a:r>
+            <a:r>
+              <a:rPr sz="2000" spc="-10" dirty="0">
+                <a:solidFill>
+                  <a:srgbClr val="404040"/>
+                </a:solidFill>
+                <a:latin typeface="Trebuchet MS"/>
+                <a:cs typeface="Trebuchet MS"/>
+              </a:rPr>
+              <a:t>program.</a:t>
             </a:r>
             <a:endParaRPr sz="2000">
               <a:latin typeface="Trebuchet MS"/>
@@ -39384,52 +39083,85 @@
             </a:endParaRPr>
           </a:p>
           <a:p>
-            <a:pPr>
+            <a:pPr marL="129539" indent="-117475">
               <a:lnSpc>
                 <a:spcPct val="100000"/>
               </a:lnSpc>
-              <a:buClr>
-                <a:srgbClr val="E38312"/>
-              </a:buClr>
-              <a:buFont typeface="Wingdings"/>
-              <a:buChar char=""/>
-            </a:pPr>
-            <a:endParaRPr sz="2300">
-              <a:latin typeface="Trebuchet MS"/>
-              <a:cs typeface="Trebuchet MS"/>
-            </a:endParaRPr>
-          </a:p>
-          <a:p>
-            <a:pPr>
-              <a:lnSpc>
-                <a:spcPct val="100000"/>
-              </a:lnSpc>
-              <a:buClr>
-                <a:srgbClr val="E38312"/>
-              </a:buClr>
-              <a:buFont typeface="Wingdings"/>
-              <a:buChar char=""/>
-            </a:pPr>
-            <a:endParaRPr sz="2000">
-              <a:latin typeface="Trebuchet MS"/>
-              <a:cs typeface="Trebuchet MS"/>
-            </a:endParaRPr>
-          </a:p>
-          <a:p>
-            <a:pPr marL="103505" marR="24130" indent="-91440">
-              <a:lnSpc>
-                <a:spcPts val="2160"/>
-              </a:lnSpc>
+              <a:spcBef>
+                <a:spcPts val="1130"/>
+              </a:spcBef>
               <a:buClr>
                 <a:srgbClr val="E38312"/>
               </a:buClr>
               <a:buFont typeface="Wingdings"/>
               <a:buChar char=""/>
               <a:tabLst>
-                <a:tab pos="269875" algn="l"/>
+                <a:tab pos="130175" algn="l"/>
               </a:tabLst>
             </a:pPr>
             <a:r>
+              <a:rPr sz="2000" spc="80" dirty="0">
+                <a:solidFill>
+                  <a:srgbClr val="404040"/>
+                </a:solidFill>
+                <a:latin typeface="Trebuchet MS"/>
+                <a:cs typeface="Trebuchet MS"/>
+              </a:rPr>
+              <a:t>Process</a:t>
+            </a:r>
+            <a:r>
+              <a:rPr sz="2000" spc="-55" dirty="0">
+                <a:solidFill>
+                  <a:srgbClr val="404040"/>
+                </a:solidFill>
+                <a:latin typeface="Trebuchet MS"/>
+                <a:cs typeface="Trebuchet MS"/>
+              </a:rPr>
+              <a:t> state:</a:t>
+            </a:r>
+            <a:endParaRPr sz="2000">
+              <a:latin typeface="Trebuchet MS"/>
+              <a:cs typeface="Trebuchet MS"/>
+            </a:endParaRPr>
+          </a:p>
+          <a:p>
+            <a:pPr marL="396875" lvl="1" indent="-183515">
+              <a:lnSpc>
+                <a:spcPct val="100000"/>
+              </a:lnSpc>
+              <a:spcBef>
+                <a:spcPts val="180"/>
+              </a:spcBef>
+              <a:buClr>
+                <a:srgbClr val="E38312"/>
+              </a:buClr>
+              <a:buFont typeface="Trebuchet MS"/>
+              <a:buChar char="◦"/>
+              <a:tabLst>
+                <a:tab pos="396875" algn="l"/>
+              </a:tabLst>
+            </a:pPr>
+            <a:r>
+              <a:rPr sz="2000" b="1" spc="-75" dirty="0">
+                <a:solidFill>
+                  <a:srgbClr val="404040"/>
+                </a:solidFill>
+                <a:latin typeface="Century Gothic"/>
+                <a:cs typeface="Century Gothic"/>
+              </a:rPr>
+              <a:t>new</a:t>
+            </a:r>
+            <a:r>
+              <a:rPr sz="2000" spc="-75" dirty="0">
+                <a:solidFill>
+                  <a:srgbClr val="404040"/>
+                </a:solidFill>
+                <a:latin typeface="Trebuchet MS"/>
+                <a:cs typeface="Trebuchet MS"/>
+              </a:rPr>
+              <a:t>: </a:t>
+            </a:r>
+            <a:r>
               <a:rPr sz="2000" spc="-5" dirty="0">
                 <a:solidFill>
                   <a:srgbClr val="404040"/>
@@ -39440,14 +39172,106 @@
               <a:t>The </a:t>
             </a:r>
             <a:r>
-              <a:rPr sz="2000" spc="-95" dirty="0">
-                <a:solidFill>
-                  <a:srgbClr val="404040"/>
-                </a:solidFill>
-                <a:latin typeface="Trebuchet MS"/>
-                <a:cs typeface="Trebuchet MS"/>
-              </a:rPr>
-              <a:t>lifetime </a:t>
+              <a:rPr sz="2000" spc="65" dirty="0">
+                <a:solidFill>
+                  <a:srgbClr val="404040"/>
+                </a:solidFill>
+                <a:latin typeface="Trebuchet MS"/>
+                <a:cs typeface="Trebuchet MS"/>
+              </a:rPr>
+              <a:t>process </a:t>
+            </a:r>
+            <a:r>
+              <a:rPr sz="2000" spc="30" dirty="0">
+                <a:solidFill>
+                  <a:srgbClr val="404040"/>
+                </a:solidFill>
+                <a:latin typeface="Trebuchet MS"/>
+                <a:cs typeface="Trebuchet MS"/>
+              </a:rPr>
+              <a:t>is </a:t>
+            </a:r>
+            <a:r>
+              <a:rPr sz="2000" spc="15" dirty="0">
+                <a:solidFill>
+                  <a:srgbClr val="404040"/>
+                </a:solidFill>
+                <a:latin typeface="Trebuchet MS"/>
+                <a:cs typeface="Trebuchet MS"/>
+              </a:rPr>
+              <a:t>being</a:t>
+            </a:r>
+            <a:r>
+              <a:rPr sz="2000" spc="-245" dirty="0">
+                <a:solidFill>
+                  <a:srgbClr val="404040"/>
+                </a:solidFill>
+                <a:latin typeface="Trebuchet MS"/>
+                <a:cs typeface="Trebuchet MS"/>
+              </a:rPr>
+              <a:t> </a:t>
+            </a:r>
+            <a:r>
+              <a:rPr sz="2000" spc="-25" dirty="0">
+                <a:solidFill>
+                  <a:srgbClr val="404040"/>
+                </a:solidFill>
+                <a:latin typeface="Trebuchet MS"/>
+                <a:cs typeface="Trebuchet MS"/>
+              </a:rPr>
+              <a:t>created</a:t>
+            </a:r>
+            <a:endParaRPr sz="2000">
+              <a:latin typeface="Trebuchet MS"/>
+              <a:cs typeface="Trebuchet MS"/>
+            </a:endParaRPr>
+          </a:p>
+          <a:p>
+            <a:pPr marL="396875" lvl="1" indent="-183515">
+              <a:lnSpc>
+                <a:spcPct val="100000"/>
+              </a:lnSpc>
+              <a:spcBef>
+                <a:spcPts val="359"/>
+              </a:spcBef>
+              <a:buClr>
+                <a:srgbClr val="E38312"/>
+              </a:buClr>
+              <a:buFont typeface="Trebuchet MS"/>
+              <a:buChar char="◦"/>
+              <a:tabLst>
+                <a:tab pos="396875" algn="l"/>
+              </a:tabLst>
+            </a:pPr>
+            <a:r>
+              <a:rPr sz="2000" b="1" spc="-25" dirty="0">
+                <a:solidFill>
+                  <a:srgbClr val="404040"/>
+                </a:solidFill>
+                <a:latin typeface="Century Gothic"/>
+                <a:cs typeface="Century Gothic"/>
+              </a:rPr>
+              <a:t>running</a:t>
+            </a:r>
+            <a:r>
+              <a:rPr sz="2000" spc="-25" dirty="0">
+                <a:solidFill>
+                  <a:srgbClr val="404040"/>
+                </a:solidFill>
+                <a:latin typeface="Trebuchet MS"/>
+                <a:cs typeface="Trebuchet MS"/>
+              </a:rPr>
+              <a:t>: </a:t>
+            </a:r>
+            <a:r>
+              <a:rPr sz="2000" spc="-5" dirty="0">
+                <a:solidFill>
+                  <a:srgbClr val="404040"/>
+                </a:solidFill>
+                <a:latin typeface="Trebuchet MS"/>
+                <a:cs typeface="Trebuchet MS"/>
+              </a:rPr>
+              <a:t>Instructions </a:t>
             </a:r>
             <a:r>
               <a:rPr sz="2000" spc="-40" dirty="0">
@@ -39457,7 +39281,169 @@
                 <a:latin typeface="Trebuchet MS"/>
                 <a:cs typeface="Trebuchet MS"/>
               </a:rPr>
-              <a:t>of </a:t>
+              <a:t>are </a:t>
+            </a:r>
+            <a:r>
+              <a:rPr sz="2000" spc="15" dirty="0">
+                <a:solidFill>
+                  <a:srgbClr val="404040"/>
+                </a:solidFill>
+                <a:latin typeface="Trebuchet MS"/>
+                <a:cs typeface="Trebuchet MS"/>
+              </a:rPr>
+              <a:t>being</a:t>
+            </a:r>
+            <a:r>
+              <a:rPr sz="2000" spc="-155" dirty="0">
+                <a:solidFill>
+                  <a:srgbClr val="404040"/>
+                </a:solidFill>
+                <a:latin typeface="Trebuchet MS"/>
+                <a:cs typeface="Trebuchet MS"/>
+              </a:rPr>
+              <a:t> </a:t>
+            </a:r>
+            <a:r>
+              <a:rPr sz="2000" spc="-5" dirty="0">
+                <a:solidFill>
+                  <a:srgbClr val="404040"/>
+                </a:solidFill>
+                <a:latin typeface="Trebuchet MS"/>
+                <a:cs typeface="Trebuchet MS"/>
+              </a:rPr>
+              <a:t>executed</a:t>
+            </a:r>
+            <a:endParaRPr sz="2000">
+              <a:latin typeface="Trebuchet MS"/>
+              <a:cs typeface="Trebuchet MS"/>
+            </a:endParaRPr>
+          </a:p>
+          <a:p>
+            <a:pPr marL="396875" lvl="1" indent="-183515">
+              <a:lnSpc>
+                <a:spcPct val="100000"/>
+              </a:lnSpc>
+              <a:spcBef>
+                <a:spcPts val="359"/>
+              </a:spcBef>
+              <a:buClr>
+                <a:srgbClr val="E38312"/>
+              </a:buClr>
+              <a:buFont typeface="Trebuchet MS"/>
+              <a:buChar char="◦"/>
+              <a:tabLst>
+                <a:tab pos="396875" algn="l"/>
+              </a:tabLst>
+            </a:pPr>
+            <a:r>
+              <a:rPr sz="2000" b="1" spc="-35" dirty="0">
+                <a:solidFill>
+                  <a:srgbClr val="404040"/>
+                </a:solidFill>
+                <a:latin typeface="Century Gothic"/>
+                <a:cs typeface="Century Gothic"/>
+              </a:rPr>
+              <a:t>waiting</a:t>
+            </a:r>
+            <a:r>
+              <a:rPr sz="2000" spc="-35" dirty="0">
+                <a:solidFill>
+                  <a:srgbClr val="404040"/>
+                </a:solidFill>
+                <a:latin typeface="Trebuchet MS"/>
+                <a:cs typeface="Trebuchet MS"/>
+              </a:rPr>
+              <a:t>: </a:t>
+            </a:r>
+            <a:r>
+              <a:rPr sz="2000" spc="-5" dirty="0">
+                <a:solidFill>
+                  <a:srgbClr val="404040"/>
+                </a:solidFill>
+                <a:latin typeface="Trebuchet MS"/>
+                <a:cs typeface="Trebuchet MS"/>
+              </a:rPr>
+              <a:t>The </a:t>
+            </a:r>
+            <a:r>
+              <a:rPr sz="2000" spc="65" dirty="0">
+                <a:solidFill>
+                  <a:srgbClr val="404040"/>
+                </a:solidFill>
+                <a:latin typeface="Trebuchet MS"/>
+                <a:cs typeface="Trebuchet MS"/>
+              </a:rPr>
+              <a:t>process </a:t>
+            </a:r>
+            <a:r>
+              <a:rPr sz="2000" spc="30" dirty="0">
+                <a:solidFill>
+                  <a:srgbClr val="404040"/>
+                </a:solidFill>
+                <a:latin typeface="Trebuchet MS"/>
+                <a:cs typeface="Trebuchet MS"/>
+              </a:rPr>
+              <a:t>is </a:t>
+            </a:r>
+            <a:r>
+              <a:rPr sz="2000" spc="-35" dirty="0">
+                <a:solidFill>
+                  <a:srgbClr val="404040"/>
+                </a:solidFill>
+                <a:latin typeface="Trebuchet MS"/>
+                <a:cs typeface="Trebuchet MS"/>
+              </a:rPr>
+              <a:t>waiting </a:t>
+            </a:r>
+            <a:r>
+              <a:rPr sz="2000" spc="-65" dirty="0">
+                <a:solidFill>
+                  <a:srgbClr val="404040"/>
+                </a:solidFill>
+                <a:latin typeface="Trebuchet MS"/>
+                <a:cs typeface="Trebuchet MS"/>
+              </a:rPr>
+              <a:t>for </a:t>
+            </a:r>
+            <a:r>
+              <a:rPr sz="2000" spc="70" dirty="0">
+                <a:solidFill>
+                  <a:srgbClr val="404040"/>
+                </a:solidFill>
+                <a:latin typeface="Trebuchet MS"/>
+                <a:cs typeface="Trebuchet MS"/>
+              </a:rPr>
+              <a:t>some </a:t>
+            </a:r>
+            <a:r>
+              <a:rPr sz="2000" spc="-35" dirty="0">
+                <a:solidFill>
+                  <a:srgbClr val="404040"/>
+                </a:solidFill>
+                <a:latin typeface="Trebuchet MS"/>
+                <a:cs typeface="Trebuchet MS"/>
+              </a:rPr>
+              <a:t>event </a:t>
+            </a:r>
+            <a:r>
+              <a:rPr sz="2000" spc="-45" dirty="0">
+                <a:solidFill>
+                  <a:srgbClr val="404040"/>
+                </a:solidFill>
+                <a:latin typeface="Trebuchet MS"/>
+                <a:cs typeface="Trebuchet MS"/>
+              </a:rPr>
+              <a:t>to</a:t>
+            </a:r>
+            <a:r>
+              <a:rPr sz="2000" spc="105" dirty="0">
+                <a:solidFill>
+                  <a:srgbClr val="404040"/>
+                </a:solidFill>
+                <a:latin typeface="Trebuchet MS"/>
+                <a:cs typeface="Trebuchet MS"/>
+              </a:rPr>
+              <a:t> </a:t>
             </a:r>
             <a:r>
               <a:rPr sz="2000" spc="25" dirty="0">
@@ -39467,7 +39453,59 @@
                 <a:latin typeface="Trebuchet MS"/>
                 <a:cs typeface="Trebuchet MS"/>
               </a:rPr>
-              <a:t>a </a:t>
+              <a:t>occur</a:t>
+            </a:r>
+            <a:endParaRPr sz="2000">
+              <a:latin typeface="Trebuchet MS"/>
+              <a:cs typeface="Trebuchet MS"/>
+            </a:endParaRPr>
+          </a:p>
+          <a:p>
+            <a:pPr marL="396875" lvl="1" indent="-183515">
+              <a:lnSpc>
+                <a:spcPct val="100000"/>
+              </a:lnSpc>
+              <a:spcBef>
+                <a:spcPts val="359"/>
+              </a:spcBef>
+              <a:buClr>
+                <a:srgbClr val="E38312"/>
+              </a:buClr>
+              <a:buFont typeface="Trebuchet MS"/>
+              <a:buChar char="◦"/>
+              <a:tabLst>
+                <a:tab pos="396875" algn="l"/>
+              </a:tabLst>
+            </a:pPr>
+            <a:r>
+              <a:rPr sz="2000" b="1" spc="-100" dirty="0">
+                <a:solidFill>
+                  <a:srgbClr val="404040"/>
+                </a:solidFill>
+                <a:latin typeface="Century Gothic"/>
+                <a:cs typeface="Century Gothic"/>
+              </a:rPr>
+              <a:t>ready</a:t>
+            </a:r>
+            <a:r>
+              <a:rPr sz="2000" spc="-100" dirty="0">
+                <a:solidFill>
+                  <a:srgbClr val="404040"/>
+                </a:solidFill>
+                <a:latin typeface="Trebuchet MS"/>
+                <a:cs typeface="Trebuchet MS"/>
+              </a:rPr>
+              <a:t>: </a:t>
+            </a:r>
+            <a:r>
+              <a:rPr sz="2000" spc="-5" dirty="0">
+                <a:solidFill>
+                  <a:srgbClr val="404040"/>
+                </a:solidFill>
+                <a:latin typeface="Trebuchet MS"/>
+                <a:cs typeface="Trebuchet MS"/>
+              </a:rPr>
+              <a:t>The </a:t>
             </a:r>
             <a:r>
               <a:rPr sz="2000" spc="65" dirty="0">
@@ -39477,17 +39515,17 @@
                 <a:latin typeface="Trebuchet MS"/>
                 <a:cs typeface="Trebuchet MS"/>
               </a:rPr>
-              <a:t>process ends </a:t>
-            </a:r>
-            <a:r>
-              <a:rPr sz="2000" spc="10" dirty="0">
-                <a:solidFill>
-                  <a:srgbClr val="404040"/>
-                </a:solidFill>
-                <a:latin typeface="Trebuchet MS"/>
-                <a:cs typeface="Trebuchet MS"/>
-              </a:rPr>
-              <a:t>when </a:t>
+              <a:t>process </a:t>
+            </a:r>
+            <a:r>
+              <a:rPr sz="2000" spc="30" dirty="0">
+                <a:solidFill>
+                  <a:srgbClr val="404040"/>
+                </a:solidFill>
+                <a:latin typeface="Trebuchet MS"/>
+                <a:cs typeface="Trebuchet MS"/>
+              </a:rPr>
+              <a:t>is </a:t>
             </a:r>
             <a:r>
               <a:rPr sz="2000" spc="-35" dirty="0">
@@ -39497,47 +39535,7 @@
                 <a:latin typeface="Trebuchet MS"/>
                 <a:cs typeface="Trebuchet MS"/>
               </a:rPr>
-              <a:t>its </a:t>
-            </a:r>
-            <a:r>
-              <a:rPr sz="2000" spc="-55" dirty="0">
-                <a:solidFill>
-                  <a:srgbClr val="404040"/>
-                </a:solidFill>
-                <a:latin typeface="Trebuchet MS"/>
-                <a:cs typeface="Trebuchet MS"/>
-              </a:rPr>
-              <a:t>termination </a:t>
-            </a:r>
-            <a:r>
-              <a:rPr sz="2000" spc="30" dirty="0">
-                <a:solidFill>
-                  <a:srgbClr val="404040"/>
-                </a:solidFill>
-                <a:latin typeface="Trebuchet MS"/>
-                <a:cs typeface="Trebuchet MS"/>
-              </a:rPr>
-              <a:t>is</a:t>
-            </a:r>
-            <a:r>
-              <a:rPr sz="2000" spc="-430" dirty="0">
-                <a:solidFill>
-                  <a:srgbClr val="404040"/>
-                </a:solidFill>
-                <a:latin typeface="Trebuchet MS"/>
-                <a:cs typeface="Trebuchet MS"/>
-              </a:rPr>
-              <a:t> </a:t>
-            </a:r>
-            <a:r>
-              <a:rPr sz="2000" spc="-30" dirty="0">
-                <a:solidFill>
-                  <a:srgbClr val="404040"/>
-                </a:solidFill>
-                <a:latin typeface="Trebuchet MS"/>
-                <a:cs typeface="Trebuchet MS"/>
-              </a:rPr>
-              <a:t>reported </a:t>
+              <a:t>waiting </a:t>
             </a:r>
             <a:r>
               <a:rPr sz="2000" spc="-45" dirty="0">
@@ -39550,54 +39548,96 @@
               <a:t>to </a:t>
             </a:r>
             <a:r>
-              <a:rPr sz="2000" spc="-35" dirty="0">
-                <a:solidFill>
-                  <a:srgbClr val="404040"/>
-                </a:solidFill>
-                <a:latin typeface="Trebuchet MS"/>
-                <a:cs typeface="Trebuchet MS"/>
-              </a:rPr>
-              <a:t>its parent </a:t>
-            </a:r>
-            <a:r>
-              <a:rPr sz="2000" spc="35" dirty="0">
-                <a:solidFill>
-                  <a:srgbClr val="404040"/>
-                </a:solidFill>
-                <a:latin typeface="Trebuchet MS"/>
-                <a:cs typeface="Trebuchet MS"/>
-              </a:rPr>
-              <a:t>process.  </a:t>
-            </a:r>
-            <a:r>
-              <a:rPr sz="2000" spc="-25" dirty="0">
-                <a:solidFill>
-                  <a:srgbClr val="404040"/>
-                </a:solidFill>
-                <a:latin typeface="Trebuchet MS"/>
-                <a:cs typeface="Trebuchet MS"/>
-              </a:rPr>
-              <a:t>At </a:t>
-            </a:r>
-            <a:r>
-              <a:rPr sz="2000" spc="-75" dirty="0">
-                <a:solidFill>
-                  <a:srgbClr val="404040"/>
-                </a:solidFill>
-                <a:latin typeface="Trebuchet MS"/>
-                <a:cs typeface="Trebuchet MS"/>
-              </a:rPr>
-              <a:t>that </a:t>
-            </a:r>
-            <a:r>
-              <a:rPr sz="2000" spc="-95" dirty="0">
-                <a:solidFill>
-                  <a:srgbClr val="404040"/>
-                </a:solidFill>
-                <a:latin typeface="Trebuchet MS"/>
-                <a:cs typeface="Trebuchet MS"/>
-              </a:rPr>
-              <a:t>time, all </a:t>
+              <a:rPr sz="2000" spc="25" dirty="0">
+                <a:solidFill>
+                  <a:srgbClr val="404040"/>
+                </a:solidFill>
+                <a:latin typeface="Trebuchet MS"/>
+                <a:cs typeface="Trebuchet MS"/>
+              </a:rPr>
+              <a:t>be </a:t>
+            </a:r>
+            <a:r>
+              <a:rPr sz="2000" spc="60" dirty="0">
+                <a:solidFill>
+                  <a:srgbClr val="404040"/>
+                </a:solidFill>
+                <a:latin typeface="Trebuchet MS"/>
+                <a:cs typeface="Trebuchet MS"/>
+              </a:rPr>
+              <a:t>assigned </a:t>
+            </a:r>
+            <a:r>
+              <a:rPr sz="2000" spc="-45" dirty="0">
+                <a:solidFill>
+                  <a:srgbClr val="404040"/>
+                </a:solidFill>
+                <a:latin typeface="Trebuchet MS"/>
+                <a:cs typeface="Trebuchet MS"/>
+              </a:rPr>
+              <a:t>to </a:t>
+            </a:r>
+            <a:r>
+              <a:rPr sz="2000" spc="25" dirty="0">
+                <a:solidFill>
+                  <a:srgbClr val="404040"/>
+                </a:solidFill>
+                <a:latin typeface="Trebuchet MS"/>
+                <a:cs typeface="Trebuchet MS"/>
+              </a:rPr>
+              <a:t>a</a:t>
+            </a:r>
+            <a:r>
+              <a:rPr sz="2000" spc="-405" dirty="0">
+                <a:solidFill>
+                  <a:srgbClr val="404040"/>
+                </a:solidFill>
+                <a:latin typeface="Trebuchet MS"/>
+                <a:cs typeface="Trebuchet MS"/>
+              </a:rPr>
+              <a:t> </a:t>
+            </a:r>
+            <a:r>
+              <a:rPr sz="2000" spc="45" dirty="0">
+                <a:solidFill>
+                  <a:srgbClr val="404040"/>
+                </a:solidFill>
+                <a:latin typeface="Trebuchet MS"/>
+                <a:cs typeface="Trebuchet MS"/>
+              </a:rPr>
+              <a:t>processor</a:t>
+            </a:r>
+            <a:endParaRPr sz="2000">
+              <a:latin typeface="Trebuchet MS"/>
+              <a:cs typeface="Trebuchet MS"/>
+            </a:endParaRPr>
+          </a:p>
+          <a:p>
+            <a:pPr marL="396875" lvl="1" indent="-183515">
+              <a:lnSpc>
+                <a:spcPct val="100000"/>
+              </a:lnSpc>
+              <a:spcBef>
+                <a:spcPts val="359"/>
+              </a:spcBef>
+              <a:buClr>
+                <a:srgbClr val="E38312"/>
+              </a:buClr>
+              <a:buFont typeface="Trebuchet MS"/>
+              <a:buChar char="◦"/>
+              <a:tabLst>
+                <a:tab pos="396875" algn="l"/>
+              </a:tabLst>
+            </a:pPr>
+            <a:r>
+              <a:rPr sz="2000" b="1" spc="-40" dirty="0">
+                <a:solidFill>
+                  <a:srgbClr val="404040"/>
+                </a:solidFill>
+                <a:latin typeface="Century Gothic"/>
+                <a:cs typeface="Century Gothic"/>
+              </a:rPr>
+              <a:t>terminated</a:t>
             </a:r>
             <a:r>
               <a:rPr sz="2000" spc="-40" dirty="0">
@@ -39607,17 +39647,17 @@
                 <a:latin typeface="Trebuchet MS"/>
                 <a:cs typeface="Trebuchet MS"/>
               </a:rPr>
-              <a:t>of </a:t>
-            </a:r>
-            <a:r>
-              <a:rPr sz="2000" spc="-55" dirty="0">
-                <a:solidFill>
-                  <a:srgbClr val="404040"/>
-                </a:solidFill>
-                <a:latin typeface="Trebuchet MS"/>
-                <a:cs typeface="Trebuchet MS"/>
-              </a:rPr>
-              <a:t>the </a:t>
+              <a:t>: </a:t>
+            </a:r>
+            <a:r>
+              <a:rPr sz="2000" spc="-5" dirty="0">
+                <a:solidFill>
+                  <a:srgbClr val="404040"/>
+                </a:solidFill>
+                <a:latin typeface="Trebuchet MS"/>
+                <a:cs typeface="Trebuchet MS"/>
+              </a:rPr>
+              <a:t>The </a:t>
             </a:r>
             <a:r>
               <a:rPr sz="2000" spc="65" dirty="0">
@@ -39630,44 +39670,34 @@
               <a:t>process </a:t>
             </a:r>
             <a:r>
-              <a:rPr sz="2000" spc="10" dirty="0">
-                <a:solidFill>
-                  <a:srgbClr val="404040"/>
-                </a:solidFill>
-                <a:latin typeface="Trebuchet MS"/>
-                <a:cs typeface="Trebuchet MS"/>
-              </a:rPr>
-              <a:t>resources, </a:t>
-            </a:r>
-            <a:r>
-              <a:rPr sz="2000" spc="-10" dirty="0">
-                <a:solidFill>
-                  <a:srgbClr val="404040"/>
-                </a:solidFill>
-                <a:latin typeface="Trebuchet MS"/>
-                <a:cs typeface="Trebuchet MS"/>
-              </a:rPr>
-              <a:t>including </a:t>
-            </a:r>
-            <a:r>
-              <a:rPr sz="2000" spc="-35" dirty="0">
-                <a:solidFill>
-                  <a:srgbClr val="404040"/>
-                </a:solidFill>
-                <a:latin typeface="Trebuchet MS"/>
-                <a:cs typeface="Trebuchet MS"/>
-              </a:rPr>
-              <a:t>its </a:t>
-            </a:r>
-            <a:r>
-              <a:rPr sz="2000" spc="65" dirty="0">
-                <a:solidFill>
-                  <a:srgbClr val="404040"/>
-                </a:solidFill>
-                <a:latin typeface="Trebuchet MS"/>
-                <a:cs typeface="Trebuchet MS"/>
-              </a:rPr>
-              <a:t>process </a:t>
+              <a:rPr sz="2000" spc="75" dirty="0">
+                <a:solidFill>
+                  <a:srgbClr val="404040"/>
+                </a:solidFill>
+                <a:latin typeface="Trebuchet MS"/>
+                <a:cs typeface="Trebuchet MS"/>
+              </a:rPr>
+              <a:t>has </a:t>
+            </a:r>
+            <a:r>
+              <a:rPr sz="2000" spc="-20" dirty="0">
+                <a:solidFill>
+                  <a:srgbClr val="404040"/>
+                </a:solidFill>
+                <a:latin typeface="Trebuchet MS"/>
+                <a:cs typeface="Trebuchet MS"/>
+              </a:rPr>
+              <a:t>finished</a:t>
+            </a:r>
+            <a:r>
+              <a:rPr sz="2000" spc="-365" dirty="0">
+                <a:solidFill>
+                  <a:srgbClr val="404040"/>
+                </a:solidFill>
+                <a:latin typeface="Trebuchet MS"/>
+                <a:cs typeface="Trebuchet MS"/>
+              </a:rPr>
+              <a:t> </a:t>
             </a:r>
             <a:r>
               <a:rPr sz="2000" spc="-15" dirty="0">
@@ -39677,37 +39707,7 @@
                 <a:latin typeface="Trebuchet MS"/>
                 <a:cs typeface="Trebuchet MS"/>
               </a:rPr>
-              <a:t>ID, </a:t>
-            </a:r>
-            <a:r>
-              <a:rPr sz="2000" spc="-40" dirty="0">
-                <a:solidFill>
-                  <a:srgbClr val="404040"/>
-                </a:solidFill>
-                <a:latin typeface="Trebuchet MS"/>
-                <a:cs typeface="Trebuchet MS"/>
-              </a:rPr>
-              <a:t>are</a:t>
-            </a:r>
-            <a:r>
-              <a:rPr sz="2000" spc="-330" dirty="0">
-                <a:solidFill>
-                  <a:srgbClr val="404040"/>
-                </a:solidFill>
-                <a:latin typeface="Trebuchet MS"/>
-                <a:cs typeface="Trebuchet MS"/>
-              </a:rPr>
-              <a:t> </a:t>
-            </a:r>
-            <a:r>
-              <a:rPr sz="2000" spc="-70" dirty="0">
-                <a:solidFill>
-                  <a:srgbClr val="404040"/>
-                </a:solidFill>
-                <a:latin typeface="Trebuchet MS"/>
-                <a:cs typeface="Trebuchet MS"/>
-              </a:rPr>
-              <a:t>freed.</a:t>
+              <a:t>execution</a:t>
             </a:r>
             <a:endParaRPr sz="2000">
               <a:latin typeface="Trebuchet MS"/>
